--- a/doc/答辩.pptx
+++ b/doc/答辩.pptx
@@ -5,25 +5,25 @@
     <p:sldMasterId id="2147483648" r:id="rId1"/>
   </p:sldMasterIdLst>
   <p:notesMasterIdLst>
-    <p:notesMasterId r:id="rId4"/>
+    <p:notesMasterId r:id="rId18"/>
   </p:notesMasterIdLst>
   <p:sldIdLst>
-    <p:sldId id="256" r:id="rId3"/>
-    <p:sldId id="271" r:id="rId5"/>
-    <p:sldId id="258" r:id="rId6"/>
-    <p:sldId id="273" r:id="rId7"/>
-    <p:sldId id="259" r:id="rId8"/>
-    <p:sldId id="260" r:id="rId9"/>
-    <p:sldId id="270" r:id="rId10"/>
-    <p:sldId id="261" r:id="rId11"/>
-    <p:sldId id="262" r:id="rId12"/>
-    <p:sldId id="263" r:id="rId13"/>
-    <p:sldId id="264" r:id="rId14"/>
-    <p:sldId id="272" r:id="rId15"/>
-    <p:sldId id="266" r:id="rId16"/>
-    <p:sldId id="267" r:id="rId17"/>
-    <p:sldId id="268" r:id="rId18"/>
-    <p:sldId id="269" r:id="rId19"/>
+    <p:sldId id="256" r:id="rId2"/>
+    <p:sldId id="271" r:id="rId3"/>
+    <p:sldId id="258" r:id="rId4"/>
+    <p:sldId id="273" r:id="rId5"/>
+    <p:sldId id="259" r:id="rId6"/>
+    <p:sldId id="260" r:id="rId7"/>
+    <p:sldId id="270" r:id="rId8"/>
+    <p:sldId id="261" r:id="rId9"/>
+    <p:sldId id="262" r:id="rId10"/>
+    <p:sldId id="263" r:id="rId11"/>
+    <p:sldId id="264" r:id="rId12"/>
+    <p:sldId id="272" r:id="rId13"/>
+    <p:sldId id="266" r:id="rId14"/>
+    <p:sldId id="267" r:id="rId15"/>
+    <p:sldId id="268" r:id="rId16"/>
+    <p:sldId id="269" r:id="rId17"/>
   </p:sldIdLst>
   <p:sldSz cx="12192000" cy="6858000"/>
   <p:notesSz cx="6858000" cy="12192000"/>
@@ -122,6 +122,11 @@
       </a:defRPr>
     </a:lvl9pPr>
   </p:defaultTextStyle>
+  <p:extLst>
+    <p:ext uri="{EFAFB233-063F-42B5-8137-9DF3F51BA10A}">
+      <p15:sldGuideLst xmlns:p15="http://schemas.microsoft.com/office/powerpoint/2012/main"/>
+    </p:ext>
+  </p:extLst>
 </p:presentation>
 </file>
 
@@ -310,6 +315,7 @@
           <a:p>
             <a:fld id="{F7021451-1387-4CA6-816F-3879F97B5CBC}" type="slidenum">
               <a:rPr lang="en-US"/>
+              <a:t>1</a:t>
             </a:fld>
             <a:endParaRPr lang="en-US"/>
           </a:p>
@@ -388,6 +394,7 @@
           <a:p>
             <a:fld id="{F7021451-1387-4CA6-816F-3879F97B5CBC}" type="slidenum">
               <a:rPr lang="en-US"/>
+              <a:t>10</a:t>
             </a:fld>
             <a:endParaRPr lang="en-US"/>
           </a:p>
@@ -466,6 +473,7 @@
           <a:p>
             <a:fld id="{F7021451-1387-4CA6-816F-3879F97B5CBC}" type="slidenum">
               <a:rPr lang="en-US"/>
+              <a:t>11</a:t>
             </a:fld>
             <a:endParaRPr lang="en-US"/>
           </a:p>
@@ -544,6 +552,7 @@
           <a:p>
             <a:fld id="{F7021451-1387-4CA6-816F-3879F97B5CBC}" type="slidenum">
               <a:rPr lang="en-US"/>
+              <a:t>12</a:t>
             </a:fld>
             <a:endParaRPr lang="en-US"/>
           </a:p>
@@ -622,6 +631,7 @@
           <a:p>
             <a:fld id="{F7021451-1387-4CA6-816F-3879F97B5CBC}" type="slidenum">
               <a:rPr lang="en-US"/>
+              <a:t>13</a:t>
             </a:fld>
             <a:endParaRPr lang="en-US"/>
           </a:p>
@@ -700,6 +710,7 @@
           <a:p>
             <a:fld id="{F7021451-1387-4CA6-816F-3879F97B5CBC}" type="slidenum">
               <a:rPr lang="en-US"/>
+              <a:t>14</a:t>
             </a:fld>
             <a:endParaRPr lang="en-US"/>
           </a:p>
@@ -778,6 +789,7 @@
           <a:p>
             <a:fld id="{F7021451-1387-4CA6-816F-3879F97B5CBC}" type="slidenum">
               <a:rPr lang="en-US"/>
+              <a:t>15</a:t>
             </a:fld>
             <a:endParaRPr lang="en-US"/>
           </a:p>
@@ -856,6 +868,7 @@
           <a:p>
             <a:fld id="{F7021451-1387-4CA6-816F-3879F97B5CBC}" type="slidenum">
               <a:rPr lang="en-US"/>
+              <a:t>16</a:t>
             </a:fld>
             <a:endParaRPr lang="en-US"/>
           </a:p>
@@ -934,6 +947,7 @@
           <a:p>
             <a:fld id="{F7021451-1387-4CA6-816F-3879F97B5CBC}" type="slidenum">
               <a:rPr lang="en-US"/>
+              <a:t>2</a:t>
             </a:fld>
             <a:endParaRPr lang="en-US"/>
           </a:p>
@@ -1012,6 +1026,7 @@
           <a:p>
             <a:fld id="{F7021451-1387-4CA6-816F-3879F97B5CBC}" type="slidenum">
               <a:rPr lang="en-US"/>
+              <a:t>3</a:t>
             </a:fld>
             <a:endParaRPr lang="en-US"/>
           </a:p>
@@ -1090,6 +1105,7 @@
           <a:p>
             <a:fld id="{F7021451-1387-4CA6-816F-3879F97B5CBC}" type="slidenum">
               <a:rPr lang="en-US"/>
+              <a:t>4</a:t>
             </a:fld>
             <a:endParaRPr lang="en-US"/>
           </a:p>
@@ -1168,6 +1184,7 @@
           <a:p>
             <a:fld id="{F7021451-1387-4CA6-816F-3879F97B5CBC}" type="slidenum">
               <a:rPr lang="en-US"/>
+              <a:t>5</a:t>
             </a:fld>
             <a:endParaRPr lang="en-US"/>
           </a:p>
@@ -1246,6 +1263,7 @@
           <a:p>
             <a:fld id="{F7021451-1387-4CA6-816F-3879F97B5CBC}" type="slidenum">
               <a:rPr lang="en-US"/>
+              <a:t>6</a:t>
             </a:fld>
             <a:endParaRPr lang="en-US"/>
           </a:p>
@@ -1324,6 +1342,7 @@
           <a:p>
             <a:fld id="{F7021451-1387-4CA6-816F-3879F97B5CBC}" type="slidenum">
               <a:rPr lang="en-US"/>
+              <a:t>7</a:t>
             </a:fld>
             <a:endParaRPr lang="en-US"/>
           </a:p>
@@ -1402,6 +1421,7 @@
           <a:p>
             <a:fld id="{F7021451-1387-4CA6-816F-3879F97B5CBC}" type="slidenum">
               <a:rPr lang="en-US"/>
+              <a:t>8</a:t>
             </a:fld>
             <a:endParaRPr lang="en-US"/>
           </a:p>
@@ -1480,6 +1500,7 @@
           <a:p>
             <a:fld id="{F7021451-1387-4CA6-816F-3879F97B5CBC}" type="slidenum">
               <a:rPr lang="en-US"/>
+              <a:t>9</a:t>
             </a:fld>
             <a:endParaRPr lang="en-US"/>
           </a:p>
@@ -1845,7 +1866,7 @@
     <p:bg>
       <p:bgPr>
         <a:blipFill dpi="0" rotWithShape="1">
-          <a:blip r:embed="rId1">
+          <a:blip r:embed="rId3">
             <a:lum/>
           </a:blip>
           <a:srcRect/>
@@ -4951,6 +4972,716 @@
           </a:p>
         </p:txBody>
       </p:sp>
+      <p:sp>
+        <p:nvSpPr>
+          <p:cNvPr id="2" name="Shape 4">
+            <a:extLst>
+              <a:ext uri="{FF2B5EF4-FFF2-40B4-BE49-F238E27FC236}">
+                <a16:creationId xmlns:a16="http://schemas.microsoft.com/office/drawing/2014/main" id="{98D584D7-822E-B36B-2E0F-26CC47961B63}"/>
+              </a:ext>
+            </a:extLst>
+          </p:cNvPr>
+          <p:cNvSpPr/>
+          <p:nvPr/>
+        </p:nvSpPr>
+        <p:spPr>
+          <a:xfrm>
+            <a:off x="344592" y="4299416"/>
+            <a:ext cx="5652953" cy="2415646"/>
+          </a:xfrm>
+          <a:custGeom>
+            <a:avLst/>
+            <a:gdLst/>
+            <a:ahLst/>
+            <a:cxnLst/>
+            <a:rect l="l" t="t" r="r" b="b"/>
+            <a:pathLst>
+              <a:path w="5652953" h="2978261">
+                <a:moveTo>
+                  <a:pt x="32818" y="0"/>
+                </a:moveTo>
+                <a:lnTo>
+                  <a:pt x="5554492" y="0"/>
+                </a:lnTo>
+                <a:cubicBezTo>
+                  <a:pt x="5608870" y="0"/>
+                  <a:pt x="5652953" y="44083"/>
+                  <a:pt x="5652953" y="98461"/>
+                </a:cubicBezTo>
+                <a:lnTo>
+                  <a:pt x="5652953" y="2879800"/>
+                </a:lnTo>
+                <a:cubicBezTo>
+                  <a:pt x="5652953" y="2934178"/>
+                  <a:pt x="5608870" y="2978261"/>
+                  <a:pt x="5554492" y="2978261"/>
+                </a:cubicBezTo>
+                <a:lnTo>
+                  <a:pt x="32818" y="2978261"/>
+                </a:lnTo>
+                <a:cubicBezTo>
+                  <a:pt x="14693" y="2978261"/>
+                  <a:pt x="0" y="2963568"/>
+                  <a:pt x="0" y="2945443"/>
+                </a:cubicBezTo>
+                <a:lnTo>
+                  <a:pt x="0" y="32818"/>
+                </a:lnTo>
+                <a:cubicBezTo>
+                  <a:pt x="0" y="14693"/>
+                  <a:pt x="14693" y="0"/>
+                  <a:pt x="32818" y="0"/>
+                </a:cubicBezTo>
+                <a:close/>
+              </a:path>
+            </a:pathLst>
+          </a:custGeom>
+          <a:solidFill>
+            <a:srgbClr val="2D3748"/>
+          </a:solidFill>
+        </p:spPr>
+        <p:txBody>
+          <a:bodyPr/>
+          <a:lstStyle/>
+          <a:p>
+            <a:endParaRPr lang="zh-CN" altLang="en-US" dirty="0"/>
+          </a:p>
+        </p:txBody>
+      </p:sp>
+      <p:sp>
+        <p:nvSpPr>
+          <p:cNvPr id="27" name="Shape 5">
+            <a:extLst>
+              <a:ext uri="{FF2B5EF4-FFF2-40B4-BE49-F238E27FC236}">
+                <a16:creationId xmlns:a16="http://schemas.microsoft.com/office/drawing/2014/main" id="{6EF7EA45-2FEA-A86E-3AD4-AAD71DCBC4C1}"/>
+              </a:ext>
+            </a:extLst>
+          </p:cNvPr>
+          <p:cNvSpPr/>
+          <p:nvPr/>
+        </p:nvSpPr>
+        <p:spPr>
+          <a:xfrm flipH="1">
+            <a:off x="377409" y="4299416"/>
+            <a:ext cx="45719" cy="2415646"/>
+          </a:xfrm>
+          <a:custGeom>
+            <a:avLst/>
+            <a:gdLst/>
+            <a:ahLst/>
+            <a:cxnLst/>
+            <a:rect l="l" t="t" r="r" b="b"/>
+            <a:pathLst>
+              <a:path w="32818" h="2978261">
+                <a:moveTo>
+                  <a:pt x="32818" y="0"/>
+                </a:moveTo>
+                <a:lnTo>
+                  <a:pt x="32818" y="0"/>
+                </a:lnTo>
+                <a:lnTo>
+                  <a:pt x="32818" y="2978261"/>
+                </a:lnTo>
+                <a:lnTo>
+                  <a:pt x="32818" y="2978261"/>
+                </a:lnTo>
+                <a:cubicBezTo>
+                  <a:pt x="14693" y="2978261"/>
+                  <a:pt x="0" y="2963568"/>
+                  <a:pt x="0" y="2945443"/>
+                </a:cubicBezTo>
+                <a:lnTo>
+                  <a:pt x="0" y="32818"/>
+                </a:lnTo>
+                <a:cubicBezTo>
+                  <a:pt x="0" y="14693"/>
+                  <a:pt x="14693" y="0"/>
+                  <a:pt x="32818" y="0"/>
+                </a:cubicBezTo>
+                <a:close/>
+              </a:path>
+            </a:pathLst>
+          </a:custGeom>
+          <a:solidFill>
+            <a:srgbClr val="4FD1C5"/>
+          </a:solidFill>
+        </p:spPr>
+      </p:sp>
+      <p:sp>
+        <p:nvSpPr>
+          <p:cNvPr id="28" name="Text 6">
+            <a:extLst>
+              <a:ext uri="{FF2B5EF4-FFF2-40B4-BE49-F238E27FC236}">
+                <a16:creationId xmlns:a16="http://schemas.microsoft.com/office/drawing/2014/main" id="{CEC24DB0-6F76-6F4D-EE7C-F0B5D03E5D75}"/>
+              </a:ext>
+            </a:extLst>
+          </p:cNvPr>
+          <p:cNvSpPr/>
+          <p:nvPr/>
+        </p:nvSpPr>
+        <p:spPr>
+          <a:xfrm>
+            <a:off x="525093" y="4437679"/>
+            <a:ext cx="5406816" cy="262546"/>
+          </a:xfrm>
+          <a:prstGeom prst="rect">
+            <a:avLst/>
+          </a:prstGeom>
+          <a:noFill/>
+        </p:spPr>
+        <p:txBody>
+          <a:bodyPr wrap="square" lIns="0" tIns="0" rIns="0" bIns="0" rtlCol="0" anchor="ctr"/>
+          <a:lstStyle/>
+          <a:p>
+            <a:pPr>
+              <a:lnSpc>
+                <a:spcPct val="110000"/>
+              </a:lnSpc>
+            </a:pPr>
+            <a:r>
+              <a:rPr lang="en-US" sz="1550" b="1" dirty="0">
+                <a:solidFill>
+                  <a:srgbClr val="4FD1C5"/>
+                </a:solidFill>
+                <a:latin typeface="MiSans" pitchFamily="34" charset="-122"/>
+                <a:ea typeface="MiSans" pitchFamily="34" charset="-122"/>
+                <a:cs typeface="MiSans" pitchFamily="34" charset="-120"/>
+              </a:rPr>
+              <a:t>服务注册与发现</a:t>
+            </a:r>
+            <a:endParaRPr lang="en-US" sz="1600" dirty="0"/>
+          </a:p>
+        </p:txBody>
+      </p:sp>
+      <p:sp>
+        <p:nvSpPr>
+          <p:cNvPr id="29" name="Shape 7">
+            <a:extLst>
+              <a:ext uri="{FF2B5EF4-FFF2-40B4-BE49-F238E27FC236}">
+                <a16:creationId xmlns:a16="http://schemas.microsoft.com/office/drawing/2014/main" id="{DAEDE9D5-763B-3270-AB8E-825F8D77F984}"/>
+              </a:ext>
+            </a:extLst>
+          </p:cNvPr>
+          <p:cNvSpPr/>
+          <p:nvPr/>
+        </p:nvSpPr>
+        <p:spPr>
+          <a:xfrm>
+            <a:off x="525093" y="4798576"/>
+            <a:ext cx="459456" cy="459456"/>
+          </a:xfrm>
+          <a:custGeom>
+            <a:avLst/>
+            <a:gdLst/>
+            <a:ahLst/>
+            <a:cxnLst/>
+            <a:rect l="l" t="t" r="r" b="b"/>
+            <a:pathLst>
+              <a:path w="459456" h="459456">
+                <a:moveTo>
+                  <a:pt x="98457" y="0"/>
+                </a:moveTo>
+                <a:lnTo>
+                  <a:pt x="360999" y="0"/>
+                </a:lnTo>
+                <a:cubicBezTo>
+                  <a:pt x="415339" y="0"/>
+                  <a:pt x="459456" y="44117"/>
+                  <a:pt x="459456" y="98457"/>
+                </a:cubicBezTo>
+                <a:lnTo>
+                  <a:pt x="459456" y="360999"/>
+                </a:lnTo>
+                <a:cubicBezTo>
+                  <a:pt x="459456" y="415376"/>
+                  <a:pt x="415376" y="459456"/>
+                  <a:pt x="360999" y="459456"/>
+                </a:cubicBezTo>
+                <a:lnTo>
+                  <a:pt x="98457" y="459456"/>
+                </a:lnTo>
+                <a:cubicBezTo>
+                  <a:pt x="44117" y="459456"/>
+                  <a:pt x="0" y="415339"/>
+                  <a:pt x="0" y="360999"/>
+                </a:cubicBezTo>
+                <a:lnTo>
+                  <a:pt x="0" y="98457"/>
+                </a:lnTo>
+                <a:cubicBezTo>
+                  <a:pt x="0" y="44117"/>
+                  <a:pt x="44117" y="0"/>
+                  <a:pt x="98457" y="0"/>
+                </a:cubicBezTo>
+                <a:close/>
+              </a:path>
+            </a:pathLst>
+          </a:custGeom>
+          <a:solidFill>
+            <a:srgbClr val="4FD1C5">
+              <a:alpha val="20000"/>
+            </a:srgbClr>
+          </a:solidFill>
+        </p:spPr>
+      </p:sp>
+      <p:sp>
+        <p:nvSpPr>
+          <p:cNvPr id="30" name="Shape 8">
+            <a:extLst>
+              <a:ext uri="{FF2B5EF4-FFF2-40B4-BE49-F238E27FC236}">
+                <a16:creationId xmlns:a16="http://schemas.microsoft.com/office/drawing/2014/main" id="{A7774545-C3BF-D21A-AEC1-447F1917599B}"/>
+              </a:ext>
+            </a:extLst>
+          </p:cNvPr>
+          <p:cNvSpPr/>
+          <p:nvPr/>
+        </p:nvSpPr>
+        <p:spPr>
+          <a:xfrm>
+            <a:off x="631752" y="4929850"/>
+            <a:ext cx="246137" cy="196910"/>
+          </a:xfrm>
+          <a:custGeom>
+            <a:avLst/>
+            <a:gdLst/>
+            <a:ahLst/>
+            <a:cxnLst/>
+            <a:rect l="l" t="t" r="r" b="b"/>
+            <a:pathLst>
+              <a:path w="246137" h="196910">
+                <a:moveTo>
+                  <a:pt x="221524" y="18460"/>
+                </a:moveTo>
+                <a:cubicBezTo>
+                  <a:pt x="221524" y="14191"/>
+                  <a:pt x="219331" y="10230"/>
+                  <a:pt x="215678" y="7999"/>
+                </a:cubicBezTo>
+                <a:cubicBezTo>
+                  <a:pt x="212024" y="5769"/>
+                  <a:pt x="207524" y="5538"/>
+                  <a:pt x="203717" y="7461"/>
+                </a:cubicBezTo>
+                <a:lnTo>
+                  <a:pt x="159028" y="29806"/>
+                </a:lnTo>
+                <a:lnTo>
+                  <a:pt x="90032" y="6769"/>
+                </a:lnTo>
+                <a:cubicBezTo>
+                  <a:pt x="86917" y="5730"/>
+                  <a:pt x="83571" y="5961"/>
+                  <a:pt x="80648" y="7423"/>
+                </a:cubicBezTo>
+                <a:lnTo>
+                  <a:pt x="31421" y="32036"/>
+                </a:lnTo>
+                <a:cubicBezTo>
+                  <a:pt x="27229" y="34152"/>
+                  <a:pt x="24614" y="38420"/>
+                  <a:pt x="24614" y="43074"/>
+                </a:cubicBezTo>
+                <a:lnTo>
+                  <a:pt x="24614" y="178450"/>
+                </a:lnTo>
+                <a:cubicBezTo>
+                  <a:pt x="24614" y="182718"/>
+                  <a:pt x="26806" y="186680"/>
+                  <a:pt x="30459" y="188910"/>
+                </a:cubicBezTo>
+                <a:cubicBezTo>
+                  <a:pt x="34113" y="191141"/>
+                  <a:pt x="38613" y="191372"/>
+                  <a:pt x="42420" y="189449"/>
+                </a:cubicBezTo>
+                <a:lnTo>
+                  <a:pt x="87071" y="167104"/>
+                </a:lnTo>
+                <a:lnTo>
+                  <a:pt x="153720" y="189333"/>
+                </a:lnTo>
+                <a:cubicBezTo>
+                  <a:pt x="152067" y="186872"/>
+                  <a:pt x="150451" y="184295"/>
+                  <a:pt x="148875" y="181680"/>
+                </a:cubicBezTo>
+                <a:cubicBezTo>
+                  <a:pt x="144644" y="174642"/>
+                  <a:pt x="140452" y="166566"/>
+                  <a:pt x="137337" y="157912"/>
+                </a:cubicBezTo>
+                <a:lnTo>
+                  <a:pt x="98416" y="144952"/>
+                </a:lnTo>
+                <a:lnTo>
+                  <a:pt x="98416" y="35536"/>
+                </a:lnTo>
+                <a:lnTo>
+                  <a:pt x="147644" y="51958"/>
+                </a:lnTo>
+                <a:lnTo>
+                  <a:pt x="147644" y="90148"/>
+                </a:lnTo>
+                <a:cubicBezTo>
+                  <a:pt x="159566" y="76379"/>
+                  <a:pt x="177257" y="67688"/>
+                  <a:pt x="196871" y="67688"/>
+                </a:cubicBezTo>
+                <a:cubicBezTo>
+                  <a:pt x="205563" y="67688"/>
+                  <a:pt x="213870" y="69380"/>
+                  <a:pt x="221485" y="72495"/>
+                </a:cubicBezTo>
+                <a:lnTo>
+                  <a:pt x="221524" y="18460"/>
+                </a:lnTo>
+                <a:close/>
+                <a:moveTo>
+                  <a:pt x="196910" y="86148"/>
+                </a:moveTo>
+                <a:cubicBezTo>
+                  <a:pt x="171412" y="86148"/>
+                  <a:pt x="150759" y="106454"/>
+                  <a:pt x="150759" y="131491"/>
+                </a:cubicBezTo>
+                <a:cubicBezTo>
+                  <a:pt x="150759" y="157989"/>
+                  <a:pt x="175411" y="189333"/>
+                  <a:pt x="188680" y="204294"/>
+                </a:cubicBezTo>
+                <a:cubicBezTo>
+                  <a:pt x="193141" y="209294"/>
+                  <a:pt x="200717" y="209294"/>
+                  <a:pt x="205178" y="204294"/>
+                </a:cubicBezTo>
+                <a:cubicBezTo>
+                  <a:pt x="218447" y="189333"/>
+                  <a:pt x="243099" y="157989"/>
+                  <a:pt x="243099" y="131491"/>
+                </a:cubicBezTo>
+                <a:cubicBezTo>
+                  <a:pt x="243099" y="106454"/>
+                  <a:pt x="222447" y="86148"/>
+                  <a:pt x="196948" y="86148"/>
+                </a:cubicBezTo>
+                <a:close/>
+                <a:moveTo>
+                  <a:pt x="181526" y="132299"/>
+                </a:moveTo>
+                <a:cubicBezTo>
+                  <a:pt x="181526" y="123808"/>
+                  <a:pt x="188419" y="116915"/>
+                  <a:pt x="196910" y="116915"/>
+                </a:cubicBezTo>
+                <a:cubicBezTo>
+                  <a:pt x="205400" y="116915"/>
+                  <a:pt x="212293" y="123808"/>
+                  <a:pt x="212293" y="132299"/>
+                </a:cubicBezTo>
+                <a:cubicBezTo>
+                  <a:pt x="212293" y="140789"/>
+                  <a:pt x="205400" y="147682"/>
+                  <a:pt x="196910" y="147682"/>
+                </a:cubicBezTo>
+                <a:cubicBezTo>
+                  <a:pt x="188419" y="147682"/>
+                  <a:pt x="181526" y="140789"/>
+                  <a:pt x="181526" y="132299"/>
+                </a:cubicBezTo>
+                <a:close/>
+              </a:path>
+            </a:pathLst>
+          </a:custGeom>
+          <a:solidFill>
+            <a:srgbClr val="4FD1C5"/>
+          </a:solidFill>
+        </p:spPr>
+      </p:sp>
+      <p:sp>
+        <p:nvSpPr>
+          <p:cNvPr id="31" name="Text 9">
+            <a:extLst>
+              <a:ext uri="{FF2B5EF4-FFF2-40B4-BE49-F238E27FC236}">
+                <a16:creationId xmlns:a16="http://schemas.microsoft.com/office/drawing/2014/main" id="{E781711D-6D9F-422D-A7C3-909A1046AEE4}"/>
+              </a:ext>
+            </a:extLst>
+          </p:cNvPr>
+          <p:cNvSpPr/>
+          <p:nvPr/>
+        </p:nvSpPr>
+        <p:spPr>
+          <a:xfrm>
+            <a:off x="1115822" y="4775280"/>
+            <a:ext cx="3319991" cy="262546"/>
+          </a:xfrm>
+          <a:prstGeom prst="rect">
+            <a:avLst/>
+          </a:prstGeom>
+          <a:noFill/>
+        </p:spPr>
+        <p:txBody>
+          <a:bodyPr wrap="square" lIns="0" tIns="0" rIns="0" bIns="0" rtlCol="0" anchor="ctr"/>
+          <a:lstStyle/>
+          <a:p>
+            <a:pPr>
+              <a:lnSpc>
+                <a:spcPct val="120000"/>
+              </a:lnSpc>
+            </a:pPr>
+            <a:r>
+              <a:rPr lang="en-US" altLang="zh-CN" b="1" dirty="0">
+                <a:solidFill>
+                  <a:srgbClr val="E2E8F0"/>
+                </a:solidFill>
+                <a:latin typeface="MiSans" pitchFamily="34" charset="-122"/>
+                <a:ea typeface="MiSans" pitchFamily="34" charset="-122"/>
+                <a:cs typeface="MiSans" pitchFamily="34" charset="-120"/>
+              </a:rPr>
+              <a:t>Spring Cloud Gateway</a:t>
+            </a:r>
+            <a:endParaRPr lang="en-US" sz="2400" dirty="0"/>
+          </a:p>
+        </p:txBody>
+      </p:sp>
+      <p:sp>
+        <p:nvSpPr>
+          <p:cNvPr id="32" name="Text 10">
+            <a:extLst>
+              <a:ext uri="{FF2B5EF4-FFF2-40B4-BE49-F238E27FC236}">
+                <a16:creationId xmlns:a16="http://schemas.microsoft.com/office/drawing/2014/main" id="{8072A90E-18F6-3E8B-3928-3684A872288E}"/>
+              </a:ext>
+            </a:extLst>
+          </p:cNvPr>
+          <p:cNvSpPr/>
+          <p:nvPr/>
+        </p:nvSpPr>
+        <p:spPr>
+          <a:xfrm>
+            <a:off x="1115822" y="5044714"/>
+            <a:ext cx="1698498" cy="196910"/>
+          </a:xfrm>
+          <a:prstGeom prst="rect">
+            <a:avLst/>
+          </a:prstGeom>
+          <a:noFill/>
+        </p:spPr>
+        <p:txBody>
+          <a:bodyPr wrap="square" lIns="0" tIns="0" rIns="0" bIns="0" rtlCol="0" anchor="ctr"/>
+          <a:lstStyle/>
+          <a:p>
+            <a:pPr>
+              <a:lnSpc>
+                <a:spcPct val="130000"/>
+              </a:lnSpc>
+            </a:pPr>
+            <a:r>
+              <a:rPr lang="zh-CN" altLang="en-US" sz="1400" dirty="0">
+                <a:solidFill>
+                  <a:srgbClr val="95B8C0"/>
+                </a:solidFill>
+                <a:latin typeface="MiSans" pitchFamily="34" charset="-122"/>
+                <a:ea typeface="MiSans" pitchFamily="34" charset="-122"/>
+                <a:cs typeface="MiSans" pitchFamily="34" charset="-120"/>
+              </a:rPr>
+              <a:t>网关服务</a:t>
+            </a:r>
+            <a:endParaRPr lang="en-US" sz="2800" dirty="0"/>
+          </a:p>
+        </p:txBody>
+      </p:sp>
+      <p:sp>
+        <p:nvSpPr>
+          <p:cNvPr id="33" name="Text 11">
+            <a:extLst>
+              <a:ext uri="{FF2B5EF4-FFF2-40B4-BE49-F238E27FC236}">
+                <a16:creationId xmlns:a16="http://schemas.microsoft.com/office/drawing/2014/main" id="{4619146B-3FEE-4571-8D0F-7DCD765F1EF2}"/>
+              </a:ext>
+            </a:extLst>
+          </p:cNvPr>
+          <p:cNvSpPr/>
+          <p:nvPr/>
+        </p:nvSpPr>
+        <p:spPr>
+          <a:xfrm>
+            <a:off x="525093" y="5356488"/>
+            <a:ext cx="5373997" cy="196910"/>
+          </a:xfrm>
+          <a:prstGeom prst="rect">
+            <a:avLst/>
+          </a:prstGeom>
+          <a:noFill/>
+        </p:spPr>
+        <p:txBody>
+          <a:bodyPr wrap="square" lIns="0" tIns="0" rIns="0" bIns="0" rtlCol="0" anchor="ctr"/>
+          <a:lstStyle/>
+          <a:p>
+            <a:pPr>
+              <a:lnSpc>
+                <a:spcPct val="130000"/>
+              </a:lnSpc>
+            </a:pPr>
+            <a:r>
+              <a:rPr lang="en-US" sz="1600" dirty="0">
+                <a:solidFill>
+                  <a:srgbClr val="95B8C0"/>
+                </a:solidFill>
+                <a:latin typeface="MiSans" pitchFamily="34" charset="-122"/>
+                <a:ea typeface="MiSans" pitchFamily="34" charset="-122"/>
+                <a:cs typeface="MiSans" pitchFamily="34" charset="-120"/>
+              </a:rPr>
+              <a:t>· </a:t>
+            </a:r>
+            <a:r>
+              <a:rPr lang="zh-CN" altLang="en-US" sz="1600" dirty="0">
+                <a:solidFill>
+                  <a:srgbClr val="95B8C0"/>
+                </a:solidFill>
+                <a:latin typeface="MiSans" pitchFamily="34" charset="-122"/>
+                <a:ea typeface="MiSans" pitchFamily="34" charset="-122"/>
+                <a:cs typeface="MiSans" pitchFamily="34" charset="-120"/>
+              </a:rPr>
+              <a:t>会自动从注册中心</a:t>
+            </a:r>
+            <a:r>
+              <a:rPr lang="en-US" altLang="zh-CN" sz="1600" dirty="0" err="1">
+                <a:solidFill>
+                  <a:srgbClr val="95B8C0"/>
+                </a:solidFill>
+                <a:latin typeface="MiSans" pitchFamily="34" charset="-122"/>
+                <a:ea typeface="MiSans" pitchFamily="34" charset="-122"/>
+                <a:cs typeface="MiSans" pitchFamily="34" charset="-120"/>
+              </a:rPr>
+              <a:t>Nacos</a:t>
+            </a:r>
+            <a:r>
+              <a:rPr lang="zh-CN" altLang="en-US" sz="1600" dirty="0">
+                <a:solidFill>
+                  <a:srgbClr val="95B8C0"/>
+                </a:solidFill>
+                <a:latin typeface="MiSans" pitchFamily="34" charset="-122"/>
+                <a:ea typeface="MiSans" pitchFamily="34" charset="-122"/>
+                <a:cs typeface="MiSans" pitchFamily="34" charset="-120"/>
+              </a:rPr>
+              <a:t>发现所有服务</a:t>
+            </a:r>
+            <a:endParaRPr lang="en-US" sz="3200" dirty="0"/>
+          </a:p>
+        </p:txBody>
+      </p:sp>
+      <p:sp>
+        <p:nvSpPr>
+          <p:cNvPr id="34" name="Text 12">
+            <a:extLst>
+              <a:ext uri="{FF2B5EF4-FFF2-40B4-BE49-F238E27FC236}">
+                <a16:creationId xmlns:a16="http://schemas.microsoft.com/office/drawing/2014/main" id="{85BF7A78-FD7E-2B57-498F-1A4954855C7C}"/>
+              </a:ext>
+            </a:extLst>
+          </p:cNvPr>
+          <p:cNvSpPr/>
+          <p:nvPr/>
+        </p:nvSpPr>
+        <p:spPr>
+          <a:xfrm>
+            <a:off x="525093" y="5586216"/>
+            <a:ext cx="5373997" cy="196910"/>
+          </a:xfrm>
+          <a:prstGeom prst="rect">
+            <a:avLst/>
+          </a:prstGeom>
+          <a:noFill/>
+        </p:spPr>
+        <p:txBody>
+          <a:bodyPr wrap="square" lIns="0" tIns="0" rIns="0" bIns="0" rtlCol="0" anchor="ctr"/>
+          <a:lstStyle/>
+          <a:p>
+            <a:pPr>
+              <a:lnSpc>
+                <a:spcPct val="130000"/>
+              </a:lnSpc>
+            </a:pPr>
+            <a:r>
+              <a:rPr lang="en-US" sz="1600" dirty="0">
+                <a:solidFill>
+                  <a:srgbClr val="95B8C0"/>
+                </a:solidFill>
+                <a:latin typeface="MiSans" pitchFamily="34" charset="-122"/>
+                <a:ea typeface="MiSans" pitchFamily="34" charset="-122"/>
+                <a:cs typeface="MiSans" pitchFamily="34" charset="-120"/>
+              </a:rPr>
+              <a:t>· </a:t>
+            </a:r>
+            <a:r>
+              <a:rPr lang="zh-CN" altLang="en-US" sz="1600" dirty="0">
+                <a:solidFill>
+                  <a:srgbClr val="95B8C0"/>
+                </a:solidFill>
+                <a:latin typeface="MiSans" pitchFamily="34" charset="-122"/>
+                <a:ea typeface="MiSans" pitchFamily="34" charset="-122"/>
+                <a:cs typeface="MiSans" pitchFamily="34" charset="-120"/>
+              </a:rPr>
+              <a:t>灵活配置，路由规则从服务网关中抽离出来</a:t>
+            </a:r>
+            <a:endParaRPr lang="en-US" sz="3200" dirty="0"/>
+          </a:p>
+        </p:txBody>
+      </p:sp>
+      <p:sp>
+        <p:nvSpPr>
+          <p:cNvPr id="35" name="Text 13">
+            <a:extLst>
+              <a:ext uri="{FF2B5EF4-FFF2-40B4-BE49-F238E27FC236}">
+                <a16:creationId xmlns:a16="http://schemas.microsoft.com/office/drawing/2014/main" id="{0892331A-4093-1490-E5D9-FBC071E88F8E}"/>
+              </a:ext>
+            </a:extLst>
+          </p:cNvPr>
+          <p:cNvSpPr/>
+          <p:nvPr/>
+        </p:nvSpPr>
+        <p:spPr>
+          <a:xfrm>
+            <a:off x="525093" y="5815944"/>
+            <a:ext cx="5373997" cy="196910"/>
+          </a:xfrm>
+          <a:prstGeom prst="rect">
+            <a:avLst/>
+          </a:prstGeom>
+          <a:noFill/>
+        </p:spPr>
+        <p:txBody>
+          <a:bodyPr wrap="square" lIns="0" tIns="0" rIns="0" bIns="0" rtlCol="0" anchor="ctr"/>
+          <a:lstStyle/>
+          <a:p>
+            <a:pPr>
+              <a:lnSpc>
+                <a:spcPct val="130000"/>
+              </a:lnSpc>
+            </a:pPr>
+            <a:r>
+              <a:rPr lang="en-US" sz="1600" dirty="0">
+                <a:solidFill>
+                  <a:srgbClr val="95B8C0"/>
+                </a:solidFill>
+                <a:latin typeface="MiSans" pitchFamily="34" charset="-122"/>
+                <a:ea typeface="MiSans" pitchFamily="34" charset="-122"/>
+                <a:cs typeface="MiSans" pitchFamily="34" charset="-120"/>
+              </a:rPr>
+              <a:t>· </a:t>
+            </a:r>
+            <a:r>
+              <a:rPr lang="zh-CN" altLang="en-US" sz="1600" dirty="0">
+                <a:solidFill>
+                  <a:srgbClr val="95B8C0"/>
+                </a:solidFill>
+                <a:latin typeface="MiSans" pitchFamily="34" charset="-122"/>
+                <a:ea typeface="MiSans" pitchFamily="34" charset="-122"/>
+                <a:cs typeface="MiSans" pitchFamily="34" charset="-120"/>
+              </a:rPr>
+              <a:t>后续可以进行流量限制和熔断配置</a:t>
+            </a:r>
+            <a:endParaRPr lang="en-US" sz="3200" dirty="0"/>
+          </a:p>
+        </p:txBody>
+      </p:sp>
     </p:spTree>
   </p:cSld>
   <p:clrMapOvr>
@@ -6051,7 +6782,7 @@
               </a:lnSpc>
             </a:pPr>
             <a:r>
-              <a:rPr lang="en-US" sz="2655" b="1" dirty="0">
+              <a:rPr lang="en-US" sz="2655" b="1" dirty="0" err="1">
                 <a:solidFill>
                   <a:srgbClr val="E2E8F0"/>
                 </a:solidFill>
@@ -6059,7 +6790,7 @@
                 <a:ea typeface="Noto Sans SC" pitchFamily="34" charset="-122"/>
                 <a:cs typeface="Noto Sans SC" pitchFamily="34" charset="-120"/>
               </a:rPr>
-              <a:t>问题一：缓存一致性与性能权衡</a:t>
+              <a:t>问题一：缓存一致性</a:t>
             </a:r>
             <a:endParaRPr lang="en-US" sz="1600" dirty="0"/>
           </a:p>
@@ -6073,7 +6804,7 @@
         </p:nvSpPr>
         <p:spPr>
           <a:xfrm>
-            <a:off x="374850" y="1358832"/>
+            <a:off x="3565522" y="922247"/>
             <a:ext cx="5707093" cy="262395"/>
           </a:xfrm>
           <a:prstGeom prst="rect">
@@ -6091,7 +6822,7 @@
               </a:lnSpc>
             </a:pPr>
             <a:r>
-              <a:rPr lang="en-US" sz="1475" dirty="0">
+              <a:rPr lang="en-US" sz="1475" dirty="0" err="1">
                 <a:solidFill>
                   <a:srgbClr val="95B8C0"/>
                 </a:solidFill>
@@ -6099,7 +6830,7 @@
                 <a:ea typeface="MiSans" pitchFamily="34" charset="-122"/>
                 <a:cs typeface="MiSans" pitchFamily="34" charset="-120"/>
               </a:rPr>
-              <a:t>如何保证数据一致性不影响查询性能</a:t>
+              <a:t>如何保证数据一致性</a:t>
             </a:r>
             <a:endParaRPr lang="en-US" sz="1600" dirty="0"/>
           </a:p>
@@ -6113,8 +6844,8 @@
         </p:nvSpPr>
         <p:spPr>
           <a:xfrm>
-            <a:off x="393593" y="1771167"/>
-            <a:ext cx="5594638" cy="3776615"/>
+            <a:off x="393593" y="1381458"/>
+            <a:ext cx="5594638" cy="3411069"/>
           </a:xfrm>
           <a:custGeom>
             <a:avLst/>
@@ -6176,8 +6907,8 @@
         </p:nvSpPr>
         <p:spPr>
           <a:xfrm>
-            <a:off x="393593" y="1771167"/>
-            <a:ext cx="37485" cy="3776615"/>
+            <a:off x="393593" y="1381459"/>
+            <a:ext cx="45719" cy="3411068"/>
           </a:xfrm>
           <a:custGeom>
             <a:avLst/>
@@ -6229,7 +6960,7 @@
         </p:nvSpPr>
         <p:spPr>
           <a:xfrm>
-            <a:off x="599760" y="2095408"/>
+            <a:off x="599760" y="1469138"/>
             <a:ext cx="5313500" cy="299880"/>
           </a:xfrm>
           <a:prstGeom prst="rect">
@@ -6269,7 +7000,7 @@
         </p:nvSpPr>
         <p:spPr>
           <a:xfrm>
-            <a:off x="611006" y="2507634"/>
+            <a:off x="611006" y="1856698"/>
             <a:ext cx="5184177" cy="1293233"/>
           </a:xfrm>
           <a:custGeom>
@@ -6334,7 +7065,7 @@
         </p:nvSpPr>
         <p:spPr>
           <a:xfrm>
-            <a:off x="611006" y="2507634"/>
+            <a:off x="611006" y="1856698"/>
             <a:ext cx="22491" cy="1293233"/>
           </a:xfrm>
           <a:custGeom>
@@ -6387,7 +7118,7 @@
         </p:nvSpPr>
         <p:spPr>
           <a:xfrm>
-            <a:off x="758134" y="2657574"/>
+            <a:off x="758134" y="2006638"/>
             <a:ext cx="168683" cy="168683"/>
           </a:xfrm>
           <a:custGeom>
@@ -6521,7 +7252,7 @@
         </p:nvSpPr>
         <p:spPr>
           <a:xfrm>
-            <a:off x="1005565" y="2620089"/>
+            <a:off x="1005565" y="1969153"/>
             <a:ext cx="4761504" cy="262395"/>
           </a:xfrm>
           <a:prstGeom prst="rect">
@@ -6561,7 +7292,7 @@
         </p:nvSpPr>
         <p:spPr>
           <a:xfrm>
-            <a:off x="734706" y="2957454"/>
+            <a:off x="734706" y="2306518"/>
             <a:ext cx="5022992" cy="730958"/>
           </a:xfrm>
           <a:prstGeom prst="rect">
@@ -6612,8 +7343,8 @@
         </p:nvSpPr>
         <p:spPr>
           <a:xfrm>
-            <a:off x="611006" y="3913322"/>
-            <a:ext cx="5184177" cy="1484401"/>
+            <a:off x="601635" y="3210621"/>
+            <a:ext cx="5184177" cy="1412464"/>
           </a:xfrm>
           <a:custGeom>
             <a:avLst/>
@@ -6677,7 +7408,7 @@
         </p:nvSpPr>
         <p:spPr>
           <a:xfrm>
-            <a:off x="611006" y="3913322"/>
+            <a:off x="601635" y="3210620"/>
             <a:ext cx="45719" cy="1484401"/>
           </a:xfrm>
           <a:custGeom>
@@ -6730,7 +7461,7 @@
         </p:nvSpPr>
         <p:spPr>
           <a:xfrm>
-            <a:off x="758134" y="4063262"/>
+            <a:off x="748763" y="3360560"/>
             <a:ext cx="168683" cy="168683"/>
           </a:xfrm>
           <a:custGeom>
@@ -6855,7 +7586,7 @@
         </p:nvSpPr>
         <p:spPr>
           <a:xfrm>
-            <a:off x="1005565" y="4025777"/>
+            <a:off x="996194" y="3323075"/>
             <a:ext cx="4761504" cy="262395"/>
           </a:xfrm>
           <a:prstGeom prst="rect">
@@ -6895,7 +7626,7 @@
         </p:nvSpPr>
         <p:spPr>
           <a:xfrm>
-            <a:off x="734706" y="4363142"/>
+            <a:off x="725335" y="3660440"/>
             <a:ext cx="5022992" cy="224910"/>
           </a:xfrm>
           <a:prstGeom prst="rect">
@@ -6935,7 +7666,7 @@
         </p:nvSpPr>
         <p:spPr>
           <a:xfrm>
-            <a:off x="734706" y="4707851"/>
+            <a:off x="725335" y="4005149"/>
             <a:ext cx="5022992" cy="224910"/>
           </a:xfrm>
           <a:prstGeom prst="rect">
@@ -6975,7 +7706,7 @@
         </p:nvSpPr>
         <p:spPr>
           <a:xfrm>
-            <a:off x="734706" y="5052560"/>
+            <a:off x="725335" y="4349858"/>
             <a:ext cx="5022992" cy="224910"/>
           </a:xfrm>
           <a:prstGeom prst="rect">
@@ -7015,7 +7746,7 @@
         </p:nvSpPr>
         <p:spPr>
           <a:xfrm>
-            <a:off x="6129766" y="1782021"/>
+            <a:off x="393593" y="5032137"/>
             <a:ext cx="5594638" cy="1464099"/>
           </a:xfrm>
           <a:custGeom>
@@ -7078,7 +7809,7 @@
         </p:nvSpPr>
         <p:spPr>
           <a:xfrm>
-            <a:off x="6129766" y="1782021"/>
+            <a:off x="393593" y="5032137"/>
             <a:ext cx="37485" cy="1464099"/>
           </a:xfrm>
           <a:custGeom>
@@ -7131,7 +7862,7 @@
         </p:nvSpPr>
         <p:spPr>
           <a:xfrm>
-            <a:off x="6335933" y="1969446"/>
+            <a:off x="599760" y="5219562"/>
             <a:ext cx="5313500" cy="144602"/>
           </a:xfrm>
           <a:prstGeom prst="rect">
@@ -7171,7 +7902,7 @@
         </p:nvSpPr>
         <p:spPr>
           <a:xfrm>
-            <a:off x="6386509" y="2287193"/>
+            <a:off x="650336" y="5537309"/>
             <a:ext cx="4760596" cy="126527"/>
           </a:xfrm>
           <a:prstGeom prst="rect">
@@ -7211,7 +7942,7 @@
         </p:nvSpPr>
         <p:spPr>
           <a:xfrm>
-            <a:off x="6395880" y="2649693"/>
+            <a:off x="659707" y="5899809"/>
             <a:ext cx="4751225" cy="345121"/>
           </a:xfrm>
           <a:prstGeom prst="rect">
@@ -7404,54 +8135,14 @@
       </p:sp>
       <p:sp>
         <p:nvSpPr>
-          <p:cNvPr id="6" name="Text 3"/>
-          <p:cNvSpPr/>
-          <p:nvPr/>
-        </p:nvSpPr>
-        <p:spPr>
-          <a:xfrm>
-            <a:off x="349842" y="1268178"/>
-            <a:ext cx="5728666" cy="244890"/>
-          </a:xfrm>
-          <a:prstGeom prst="rect">
-            <a:avLst/>
-          </a:prstGeom>
-          <a:noFill/>
-        </p:spPr>
-        <p:txBody>
-          <a:bodyPr wrap="square" lIns="0" tIns="0" rIns="0" bIns="0" rtlCol="0" anchor="ctr"/>
-          <a:lstStyle/>
-          <a:p>
-            <a:pPr>
-              <a:lnSpc>
-                <a:spcPct val="120000"/>
-              </a:lnSpc>
-            </a:pPr>
-            <a:r>
-              <a:rPr lang="en-US" sz="1375" dirty="0">
-                <a:solidFill>
-                  <a:srgbClr val="95B8C0"/>
-                </a:solidFill>
-                <a:latin typeface="MiSans" pitchFamily="34" charset="-122"/>
-                <a:ea typeface="MiSans" pitchFamily="34" charset="-122"/>
-                <a:cs typeface="MiSans" pitchFamily="34" charset="-120"/>
-              </a:rPr>
-              <a:t>防止热点商品导致数据库连接池耗尽</a:t>
-            </a:r>
-            <a:endParaRPr lang="en-US" sz="1600" dirty="0"/>
-          </a:p>
-        </p:txBody>
-      </p:sp>
-      <p:sp>
-        <p:nvSpPr>
           <p:cNvPr id="7" name="Shape 4"/>
           <p:cNvSpPr/>
           <p:nvPr/>
         </p:nvSpPr>
         <p:spPr>
           <a:xfrm>
-            <a:off x="367334" y="1653004"/>
-            <a:ext cx="5623713" cy="4486726"/>
+            <a:off x="349842" y="1278838"/>
+            <a:ext cx="5623713" cy="4071375"/>
           </a:xfrm>
           <a:custGeom>
             <a:avLst/>
@@ -7513,8 +8204,8 @@
         </p:nvSpPr>
         <p:spPr>
           <a:xfrm>
-            <a:off x="367334" y="1653004"/>
-            <a:ext cx="34984" cy="4486726"/>
+            <a:off x="349841" y="1278838"/>
+            <a:ext cx="45719" cy="4071375"/>
           </a:xfrm>
           <a:custGeom>
             <a:avLst/>
@@ -7566,7 +8257,7 @@
         </p:nvSpPr>
         <p:spPr>
           <a:xfrm>
-            <a:off x="629716" y="1784944"/>
+            <a:off x="612224" y="1410778"/>
             <a:ext cx="5361331" cy="279874"/>
           </a:xfrm>
           <a:prstGeom prst="rect">
@@ -7606,7 +8297,7 @@
         </p:nvSpPr>
         <p:spPr>
           <a:xfrm>
-            <a:off x="576364" y="2187262"/>
+            <a:off x="558872" y="1813096"/>
             <a:ext cx="5240636" cy="1735078"/>
           </a:xfrm>
           <a:custGeom>
@@ -7671,7 +8362,7 @@
         </p:nvSpPr>
         <p:spPr>
           <a:xfrm>
-            <a:off x="576364" y="2187261"/>
+            <a:off x="558872" y="1813095"/>
             <a:ext cx="45719" cy="1649045"/>
           </a:xfrm>
           <a:custGeom>
@@ -7724,7 +8415,7 @@
         </p:nvSpPr>
         <p:spPr>
           <a:xfrm>
-            <a:off x="723516" y="2327199"/>
+            <a:off x="706024" y="1953033"/>
             <a:ext cx="137750" cy="203499"/>
           </a:xfrm>
           <a:custGeom>
@@ -7877,7 +8568,7 @@
         </p:nvSpPr>
         <p:spPr>
           <a:xfrm>
-            <a:off x="941156" y="2292215"/>
+            <a:off x="923664" y="1918049"/>
             <a:ext cx="4849606" cy="316554"/>
           </a:xfrm>
           <a:prstGeom prst="rect">
@@ -7917,7 +8608,7 @@
         </p:nvSpPr>
         <p:spPr>
           <a:xfrm>
-            <a:off x="691812" y="2607072"/>
+            <a:off x="674320" y="2232906"/>
             <a:ext cx="5090204" cy="1140346"/>
           </a:xfrm>
           <a:prstGeom prst="rect">
@@ -7957,8 +8648,8 @@
         </p:nvSpPr>
         <p:spPr>
           <a:xfrm>
-            <a:off x="597355" y="4388057"/>
-            <a:ext cx="5240636" cy="1593809"/>
+            <a:off x="553625" y="3751223"/>
+            <a:ext cx="5240636" cy="1443347"/>
           </a:xfrm>
           <a:custGeom>
             <a:avLst/>
@@ -8022,8 +8713,8 @@
         </p:nvSpPr>
         <p:spPr>
           <a:xfrm>
-            <a:off x="597355" y="4357291"/>
-            <a:ext cx="45719" cy="1589693"/>
+            <a:off x="553625" y="3720457"/>
+            <a:ext cx="45719" cy="1443347"/>
           </a:xfrm>
           <a:custGeom>
             <a:avLst/>
@@ -8075,7 +8766,7 @@
         </p:nvSpPr>
         <p:spPr>
           <a:xfrm>
-            <a:off x="734668" y="4497228"/>
+            <a:off x="690938" y="3860394"/>
             <a:ext cx="157429" cy="157429"/>
           </a:xfrm>
           <a:custGeom>
@@ -8208,7 +8899,7 @@
         </p:nvSpPr>
         <p:spPr>
           <a:xfrm>
-            <a:off x="962147" y="4462243"/>
+            <a:off x="918417" y="3825409"/>
             <a:ext cx="4849606" cy="244890"/>
           </a:xfrm>
           <a:prstGeom prst="rect">
@@ -8248,7 +8939,7 @@
         </p:nvSpPr>
         <p:spPr>
           <a:xfrm>
-            <a:off x="712803" y="4777101"/>
+            <a:off x="669073" y="4140267"/>
             <a:ext cx="5090204" cy="209905"/>
           </a:xfrm>
           <a:prstGeom prst="rect">
@@ -8299,7 +8990,7 @@
         </p:nvSpPr>
         <p:spPr>
           <a:xfrm>
-            <a:off x="712803" y="5021991"/>
+            <a:off x="669073" y="4385157"/>
             <a:ext cx="5090204" cy="209905"/>
           </a:xfrm>
           <a:prstGeom prst="rect">
@@ -8339,7 +9030,7 @@
         </p:nvSpPr>
         <p:spPr>
           <a:xfrm>
-            <a:off x="712803" y="5266880"/>
+            <a:off x="669073" y="4630046"/>
             <a:ext cx="5090204" cy="209905"/>
           </a:xfrm>
           <a:prstGeom prst="rect">
@@ -8379,7 +9070,7 @@
         </p:nvSpPr>
         <p:spPr>
           <a:xfrm>
-            <a:off x="712803" y="5511770"/>
+            <a:off x="669073" y="4874936"/>
             <a:ext cx="5090204" cy="209905"/>
           </a:xfrm>
           <a:prstGeom prst="rect">
@@ -8419,8 +9110,8 @@
         </p:nvSpPr>
         <p:spPr>
           <a:xfrm>
-            <a:off x="6186084" y="1644146"/>
-            <a:ext cx="5623713" cy="4486725"/>
+            <a:off x="6218448" y="3830272"/>
+            <a:ext cx="5623713" cy="2278195"/>
           </a:xfrm>
           <a:custGeom>
             <a:avLst/>
@@ -8482,8 +9173,8 @@
         </p:nvSpPr>
         <p:spPr>
           <a:xfrm>
-            <a:off x="6186083" y="1644146"/>
-            <a:ext cx="76091" cy="4495583"/>
+            <a:off x="6218447" y="3830273"/>
+            <a:ext cx="65595" cy="2278194"/>
           </a:xfrm>
           <a:custGeom>
             <a:avLst/>
@@ -8535,7 +9226,7 @@
         </p:nvSpPr>
         <p:spPr>
           <a:xfrm>
-            <a:off x="6378497" y="1819068"/>
+            <a:off x="6410861" y="4005194"/>
             <a:ext cx="5361331" cy="279874"/>
           </a:xfrm>
           <a:prstGeom prst="rect">
@@ -8575,7 +9266,7 @@
         </p:nvSpPr>
         <p:spPr>
           <a:xfrm>
-            <a:off x="6388992" y="2203782"/>
+            <a:off x="6421356" y="4389908"/>
             <a:ext cx="5240636" cy="1632523"/>
           </a:xfrm>
           <a:custGeom>
@@ -8647,7 +9338,7 @@
         </p:nvSpPr>
         <p:spPr>
           <a:xfrm>
-            <a:off x="6388992" y="2203782"/>
+            <a:off x="6421356" y="4389908"/>
             <a:ext cx="20991" cy="1632523"/>
           </a:xfrm>
           <a:custGeom>
@@ -8700,7 +9391,7 @@
         </p:nvSpPr>
         <p:spPr>
           <a:xfrm>
-            <a:off x="6526306" y="2343720"/>
+            <a:off x="6558670" y="4529846"/>
             <a:ext cx="157429" cy="209896"/>
           </a:xfrm>
           <a:custGeom>
@@ -8877,7 +9568,7 @@
         </p:nvSpPr>
         <p:spPr>
           <a:xfrm>
-            <a:off x="6753785" y="2308735"/>
+            <a:off x="6786149" y="4494861"/>
             <a:ext cx="4849606" cy="326505"/>
           </a:xfrm>
           <a:prstGeom prst="rect">
@@ -8911,13 +9602,13 @@
       </p:sp>
       <p:sp>
         <p:nvSpPr>
-          <p:cNvPr id="36" name="Text 33"/>
-          <p:cNvSpPr/>
-          <p:nvPr/>
-        </p:nvSpPr>
-        <p:spPr>
-          <a:xfrm>
-            <a:off x="6504441" y="2623594"/>
+          <p:cNvPr id="37" name="Text 34"/>
+          <p:cNvSpPr/>
+          <p:nvPr/>
+        </p:nvSpPr>
+        <p:spPr>
+          <a:xfrm>
+            <a:off x="6545551" y="5129000"/>
             <a:ext cx="5090204" cy="279861"/>
           </a:xfrm>
           <a:prstGeom prst="rect">
@@ -8946,69 +9637,7 @@
               <a:t>· </a:t>
             </a:r>
             <a:r>
-              <a:rPr lang="en-US" sz="1600" b="1" dirty="0">
-                <a:solidFill>
-                  <a:srgbClr val="E2E8F0"/>
-                </a:solidFill>
-                <a:latin typeface="MiSans" pitchFamily="34" charset="-122"/>
-                <a:ea typeface="MiSans" pitchFamily="34" charset="-122"/>
-                <a:cs typeface="MiSans" pitchFamily="34" charset="-120"/>
-              </a:rPr>
-              <a:t>请求合并：</a:t>
-            </a:r>
-            <a:r>
-              <a:rPr lang="en-US" sz="1600" dirty="0">
-                <a:solidFill>
-                  <a:srgbClr val="95B8C0"/>
-                </a:solidFill>
-                <a:latin typeface="MiSans" pitchFamily="34" charset="-122"/>
-                <a:ea typeface="MiSans" pitchFamily="34" charset="-122"/>
-                <a:cs typeface="MiSans" pitchFamily="34" charset="-120"/>
-              </a:rPr>
-              <a:t>多个相同请求合并为一个</a:t>
-            </a:r>
-            <a:endParaRPr lang="en-US" sz="2400" dirty="0"/>
-          </a:p>
-        </p:txBody>
-      </p:sp>
-      <p:sp>
-        <p:nvSpPr>
-          <p:cNvPr id="37" name="Text 34"/>
-          <p:cNvSpPr/>
-          <p:nvPr/>
-        </p:nvSpPr>
-        <p:spPr>
-          <a:xfrm>
-            <a:off x="6513187" y="2942874"/>
-            <a:ext cx="5090204" cy="279861"/>
-          </a:xfrm>
-          <a:prstGeom prst="rect">
-            <a:avLst/>
-          </a:prstGeom>
-          <a:noFill/>
-        </p:spPr>
-        <p:txBody>
-          <a:bodyPr wrap="square" lIns="0" tIns="0" rIns="0" bIns="0" rtlCol="0" anchor="ctr"/>
-          <a:lstStyle/>
-          <a:p>
-            <a:pPr>
-              <a:lnSpc>
-                <a:spcPct val="130000"/>
-              </a:lnSpc>
-            </a:pPr>
-            <a:r>
-              <a:rPr lang="en-US" sz="1600" dirty="0">
-                <a:solidFill>
-                  <a:srgbClr val="95B8C0"/>
-                </a:solidFill>
-                <a:latin typeface="MiSans" pitchFamily="34" charset="-122"/>
-                <a:ea typeface="MiSans" pitchFamily="34" charset="-122"/>
-                <a:cs typeface="MiSans" pitchFamily="34" charset="-120"/>
-              </a:rPr>
-              <a:t>· </a:t>
-            </a:r>
-            <a:r>
-              <a:rPr lang="en-US" sz="1600" b="1" dirty="0">
+              <a:rPr lang="en-US" sz="1600" b="1" dirty="0" err="1">
                 <a:solidFill>
                   <a:srgbClr val="E2E8F0"/>
                 </a:solidFill>
@@ -9019,7 +9648,7 @@
               <a:t>本地缓存：</a:t>
             </a:r>
             <a:r>
-              <a:rPr lang="en-US" sz="1600" dirty="0">
+              <a:rPr lang="en-US" sz="1600" dirty="0" err="1">
                 <a:solidFill>
                   <a:srgbClr val="95B8C0"/>
                 </a:solidFill>
@@ -9027,7 +9656,40 @@
                 <a:ea typeface="MiSans" pitchFamily="34" charset="-122"/>
                 <a:cs typeface="MiSans" pitchFamily="34" charset="-120"/>
               </a:rPr>
-              <a:t>Lua脚本缓存热点数据</a:t>
+              <a:t>Lua脚本</a:t>
+            </a:r>
+            <a:r>
+              <a:rPr lang="zh-CN" altLang="en-US" sz="1600" dirty="0">
+                <a:solidFill>
+                  <a:srgbClr val="95B8C0"/>
+                </a:solidFill>
+                <a:latin typeface="MiSans" pitchFamily="34" charset="-122"/>
+                <a:ea typeface="MiSans" pitchFamily="34" charset="-122"/>
+                <a:cs typeface="MiSans" pitchFamily="34" charset="-120"/>
+              </a:rPr>
+              <a:t>配合</a:t>
+            </a:r>
+            <a:r>
+              <a:rPr lang="en-US" altLang="zh-CN" sz="1600" dirty="0" err="1">
+                <a:solidFill>
+                  <a:srgbClr val="95B8C0"/>
+                </a:solidFill>
+                <a:latin typeface="MiSans" pitchFamily="34" charset="-122"/>
+                <a:ea typeface="MiSans" pitchFamily="34" charset="-122"/>
+                <a:cs typeface="MiSans" pitchFamily="34" charset="-120"/>
+              </a:rPr>
+              <a:t>nginx</a:t>
+            </a:r>
+            <a:r>
+              <a:rPr lang="en-US" sz="1600" dirty="0" err="1">
+                <a:solidFill>
+                  <a:srgbClr val="95B8C0"/>
+                </a:solidFill>
+                <a:latin typeface="MiSans" pitchFamily="34" charset="-122"/>
+                <a:ea typeface="MiSans" pitchFamily="34" charset="-122"/>
+                <a:cs typeface="MiSans" pitchFamily="34" charset="-120"/>
+              </a:rPr>
+              <a:t>缓存热点数据</a:t>
             </a:r>
             <a:endParaRPr lang="en-US" sz="2400" dirty="0"/>
           </a:p>
@@ -9041,7 +9703,7 @@
         </p:nvSpPr>
         <p:spPr>
           <a:xfrm>
-            <a:off x="6513187" y="3281107"/>
+            <a:off x="6545551" y="5467233"/>
             <a:ext cx="5090204" cy="279861"/>
           </a:xfrm>
           <a:prstGeom prst="rect">
@@ -9097,387 +9759,13 @@
       </p:sp>
       <p:sp>
         <p:nvSpPr>
-          <p:cNvPr id="39" name="Shape 36"/>
-          <p:cNvSpPr/>
-          <p:nvPr/>
-        </p:nvSpPr>
-        <p:spPr>
-          <a:xfrm>
-            <a:off x="6409983" y="4547724"/>
-            <a:ext cx="5240636" cy="1224448"/>
-          </a:xfrm>
-          <a:custGeom>
-            <a:avLst/>
-            <a:gdLst/>
-            <a:ahLst/>
-            <a:cxnLst/>
-            <a:rect l="l" t="t" r="r" b="b"/>
-            <a:pathLst>
-              <a:path w="5240636" h="1224448">
-                <a:moveTo>
-                  <a:pt x="20991" y="0"/>
-                </a:moveTo>
-                <a:lnTo>
-                  <a:pt x="5170671" y="0"/>
-                </a:lnTo>
-                <a:cubicBezTo>
-                  <a:pt x="5209311" y="0"/>
-                  <a:pt x="5240636" y="31324"/>
-                  <a:pt x="5240636" y="69965"/>
-                </a:cubicBezTo>
-                <a:lnTo>
-                  <a:pt x="5240636" y="1154483"/>
-                </a:lnTo>
-                <a:cubicBezTo>
-                  <a:pt x="5240636" y="1193123"/>
-                  <a:pt x="5209311" y="1224448"/>
-                  <a:pt x="5170671" y="1224448"/>
-                </a:cubicBezTo>
-                <a:lnTo>
-                  <a:pt x="20991" y="1224448"/>
-                </a:lnTo>
-                <a:cubicBezTo>
-                  <a:pt x="9398" y="1224448"/>
-                  <a:pt x="0" y="1215050"/>
-                  <a:pt x="0" y="1203457"/>
-                </a:cubicBezTo>
-                <a:lnTo>
-                  <a:pt x="0" y="20991"/>
-                </a:lnTo>
-                <a:cubicBezTo>
-                  <a:pt x="0" y="9406"/>
-                  <a:pt x="9406" y="0"/>
-                  <a:pt x="20991" y="0"/>
-                </a:cubicBezTo>
-                <a:close/>
-              </a:path>
-            </a:pathLst>
-          </a:custGeom>
-          <a:solidFill>
-            <a:srgbClr val="4FD1C5">
-              <a:alpha val="5098"/>
-            </a:srgbClr>
-          </a:solidFill>
-        </p:spPr>
-      </p:sp>
-      <p:sp>
-        <p:nvSpPr>
-          <p:cNvPr id="40" name="Shape 37"/>
-          <p:cNvSpPr/>
-          <p:nvPr/>
-        </p:nvSpPr>
-        <p:spPr>
-          <a:xfrm>
-            <a:off x="6409983" y="4547724"/>
-            <a:ext cx="20991" cy="1224448"/>
-          </a:xfrm>
-          <a:custGeom>
-            <a:avLst/>
-            <a:gdLst/>
-            <a:ahLst/>
-            <a:cxnLst/>
-            <a:rect l="l" t="t" r="r" b="b"/>
-            <a:pathLst>
-              <a:path w="20991" h="1224448">
-                <a:moveTo>
-                  <a:pt x="20991" y="0"/>
-                </a:moveTo>
-                <a:lnTo>
-                  <a:pt x="20991" y="0"/>
-                </a:lnTo>
-                <a:lnTo>
-                  <a:pt x="20991" y="1224448"/>
-                </a:lnTo>
-                <a:lnTo>
-                  <a:pt x="20991" y="1224448"/>
-                </a:lnTo>
-                <a:cubicBezTo>
-                  <a:pt x="9398" y="1224448"/>
-                  <a:pt x="0" y="1215050"/>
-                  <a:pt x="0" y="1203457"/>
-                </a:cubicBezTo>
-                <a:lnTo>
-                  <a:pt x="0" y="20991"/>
-                </a:lnTo>
-                <a:cubicBezTo>
-                  <a:pt x="0" y="9406"/>
-                  <a:pt x="9406" y="0"/>
-                  <a:pt x="20991" y="0"/>
-                </a:cubicBezTo>
-                <a:close/>
-              </a:path>
-            </a:pathLst>
-          </a:custGeom>
-          <a:solidFill>
-            <a:srgbClr val="4FD1C5"/>
-          </a:solidFill>
-        </p:spPr>
-      </p:sp>
-      <p:sp>
-        <p:nvSpPr>
-          <p:cNvPr id="41" name="Shape 38"/>
-          <p:cNvSpPr/>
-          <p:nvPr/>
-        </p:nvSpPr>
-        <p:spPr>
-          <a:xfrm>
-            <a:off x="6547297" y="4687660"/>
-            <a:ext cx="157429" cy="157429"/>
-          </a:xfrm>
-          <a:custGeom>
-            <a:avLst/>
-            <a:gdLst/>
-            <a:ahLst/>
-            <a:cxnLst/>
-            <a:rect l="l" t="t" r="r" b="b"/>
-            <a:pathLst>
-              <a:path w="157429" h="157429">
-                <a:moveTo>
-                  <a:pt x="78714" y="0"/>
-                </a:moveTo>
-                <a:cubicBezTo>
-                  <a:pt x="122158" y="0"/>
-                  <a:pt x="157429" y="35271"/>
-                  <a:pt x="157429" y="78714"/>
-                </a:cubicBezTo>
-                <a:cubicBezTo>
-                  <a:pt x="157429" y="122158"/>
-                  <a:pt x="122158" y="157429"/>
-                  <a:pt x="78714" y="157429"/>
-                </a:cubicBezTo>
-                <a:cubicBezTo>
-                  <a:pt x="35271" y="157429"/>
-                  <a:pt x="0" y="122158"/>
-                  <a:pt x="0" y="78714"/>
-                </a:cubicBezTo>
-                <a:cubicBezTo>
-                  <a:pt x="0" y="35271"/>
-                  <a:pt x="35271" y="0"/>
-                  <a:pt x="78714" y="0"/>
-                </a:cubicBezTo>
-                <a:close/>
-                <a:moveTo>
-                  <a:pt x="71335" y="36897"/>
-                </a:moveTo>
-                <a:lnTo>
-                  <a:pt x="71335" y="78714"/>
-                </a:lnTo>
-                <a:cubicBezTo>
-                  <a:pt x="71335" y="81174"/>
-                  <a:pt x="72565" y="83480"/>
-                  <a:pt x="74625" y="84864"/>
-                </a:cubicBezTo>
-                <a:lnTo>
-                  <a:pt x="104143" y="104543"/>
-                </a:lnTo>
-                <a:cubicBezTo>
-                  <a:pt x="107525" y="106818"/>
-                  <a:pt x="112107" y="105896"/>
-                  <a:pt x="114382" y="102483"/>
-                </a:cubicBezTo>
-                <a:cubicBezTo>
-                  <a:pt x="116657" y="99070"/>
-                  <a:pt x="115735" y="94519"/>
-                  <a:pt x="112322" y="92244"/>
-                </a:cubicBezTo>
-                <a:lnTo>
-                  <a:pt x="86094" y="74779"/>
-                </a:lnTo>
-                <a:lnTo>
-                  <a:pt x="86094" y="36897"/>
-                </a:lnTo>
-                <a:cubicBezTo>
-                  <a:pt x="86094" y="32808"/>
-                  <a:pt x="82804" y="29518"/>
-                  <a:pt x="78714" y="29518"/>
-                </a:cubicBezTo>
-                <a:cubicBezTo>
-                  <a:pt x="74625" y="29518"/>
-                  <a:pt x="71335" y="32808"/>
-                  <a:pt x="71335" y="36897"/>
-                </a:cubicBezTo>
-                <a:close/>
-              </a:path>
-            </a:pathLst>
-          </a:custGeom>
-          <a:solidFill>
-            <a:srgbClr val="4FD1C5"/>
-          </a:solidFill>
-        </p:spPr>
-      </p:sp>
-      <p:sp>
-        <p:nvSpPr>
-          <p:cNvPr id="42" name="Text 39"/>
-          <p:cNvSpPr/>
-          <p:nvPr/>
-        </p:nvSpPr>
-        <p:spPr>
-          <a:xfrm>
-            <a:off x="6774776" y="4652676"/>
-            <a:ext cx="4849606" cy="244890"/>
-          </a:xfrm>
-          <a:prstGeom prst="rect">
-            <a:avLst/>
-          </a:prstGeom>
-          <a:noFill/>
-        </p:spPr>
-        <p:txBody>
-          <a:bodyPr wrap="square" lIns="0" tIns="0" rIns="0" bIns="0" rtlCol="0" anchor="ctr"/>
-          <a:lstStyle/>
-          <a:p>
-            <a:pPr>
-              <a:lnSpc>
-                <a:spcPct val="130000"/>
-              </a:lnSpc>
-            </a:pPr>
-            <a:r>
-              <a:rPr lang="en-US" sz="1600" b="1" dirty="0">
-                <a:solidFill>
-                  <a:srgbClr val="E2E8F0"/>
-                </a:solidFill>
-                <a:latin typeface="MiSans" pitchFamily="34" charset="-122"/>
-                <a:ea typeface="MiSans" pitchFamily="34" charset="-122"/>
-                <a:cs typeface="MiSans" pitchFamily="34" charset="-120"/>
-              </a:rPr>
-              <a:t>Redis逻辑过期策略</a:t>
-            </a:r>
-            <a:endParaRPr lang="en-US" sz="2000" dirty="0"/>
-          </a:p>
-        </p:txBody>
-      </p:sp>
-      <p:sp>
-        <p:nvSpPr>
-          <p:cNvPr id="43" name="Text 40"/>
-          <p:cNvSpPr/>
-          <p:nvPr/>
-        </p:nvSpPr>
-        <p:spPr>
-          <a:xfrm>
-            <a:off x="6525432" y="5031144"/>
-            <a:ext cx="5090204" cy="209905"/>
-          </a:xfrm>
-          <a:prstGeom prst="rect">
-            <a:avLst/>
-          </a:prstGeom>
-          <a:noFill/>
-        </p:spPr>
-        <p:txBody>
-          <a:bodyPr wrap="square" lIns="0" tIns="0" rIns="0" bIns="0" rtlCol="0" anchor="ctr"/>
-          <a:lstStyle/>
-          <a:p>
-            <a:pPr>
-              <a:lnSpc>
-                <a:spcPct val="130000"/>
-              </a:lnSpc>
-            </a:pPr>
-            <a:r>
-              <a:rPr lang="en-US" sz="1400" dirty="0">
-                <a:solidFill>
-                  <a:srgbClr val="95B8C0"/>
-                </a:solidFill>
-                <a:latin typeface="MiSans" pitchFamily="34" charset="-122"/>
-                <a:ea typeface="MiSans" pitchFamily="34" charset="-122"/>
-                <a:cs typeface="MiSans" pitchFamily="34" charset="-120"/>
-              </a:rPr>
-              <a:t>· </a:t>
-            </a:r>
-            <a:r>
-              <a:rPr lang="en-US" sz="1400" b="1" dirty="0">
-                <a:solidFill>
-                  <a:srgbClr val="E2E8F0"/>
-                </a:solidFill>
-                <a:latin typeface="MiSans" pitchFamily="34" charset="-122"/>
-                <a:ea typeface="MiSans" pitchFamily="34" charset="-122"/>
-                <a:cs typeface="MiSans" pitchFamily="34" charset="-120"/>
-              </a:rPr>
-              <a:t>逻辑过期：</a:t>
-            </a:r>
-            <a:r>
-              <a:rPr lang="en-US" sz="1400" dirty="0">
-                <a:solidFill>
-                  <a:srgbClr val="95B8C0"/>
-                </a:solidFill>
-                <a:latin typeface="MiSans" pitchFamily="34" charset="-122"/>
-                <a:ea typeface="MiSans" pitchFamily="34" charset="-122"/>
-                <a:cs typeface="MiSans" pitchFamily="34" charset="-120"/>
-              </a:rPr>
-              <a:t>不设置TTL，通过字段标记过期时间</a:t>
-            </a:r>
-            <a:endParaRPr lang="en-US" sz="2000" dirty="0"/>
-          </a:p>
-        </p:txBody>
-      </p:sp>
-      <p:sp>
-        <p:nvSpPr>
-          <p:cNvPr id="44" name="Text 41"/>
-          <p:cNvSpPr/>
-          <p:nvPr/>
-        </p:nvSpPr>
-        <p:spPr>
-          <a:xfrm>
-            <a:off x="6490449" y="5352359"/>
-            <a:ext cx="5090204" cy="209905"/>
-          </a:xfrm>
-          <a:prstGeom prst="rect">
-            <a:avLst/>
-          </a:prstGeom>
-          <a:noFill/>
-        </p:spPr>
-        <p:txBody>
-          <a:bodyPr wrap="square" lIns="0" tIns="0" rIns="0" bIns="0" rtlCol="0" anchor="ctr"/>
-          <a:lstStyle/>
-          <a:p>
-            <a:pPr>
-              <a:lnSpc>
-                <a:spcPct val="130000"/>
-              </a:lnSpc>
-            </a:pPr>
-            <a:r>
-              <a:rPr lang="en-US" sz="1400" dirty="0">
-                <a:solidFill>
-                  <a:srgbClr val="95B8C0"/>
-                </a:solidFill>
-                <a:latin typeface="MiSans" pitchFamily="34" charset="-122"/>
-                <a:ea typeface="MiSans" pitchFamily="34" charset="-122"/>
-                <a:cs typeface="MiSans" pitchFamily="34" charset="-120"/>
-              </a:rPr>
-              <a:t>· </a:t>
-            </a:r>
-            <a:r>
-              <a:rPr lang="en-US" sz="1400" b="1" dirty="0">
-                <a:solidFill>
-                  <a:srgbClr val="E2E8F0"/>
-                </a:solidFill>
-                <a:latin typeface="MiSans" pitchFamily="34" charset="-122"/>
-                <a:ea typeface="MiSans" pitchFamily="34" charset="-122"/>
-                <a:cs typeface="MiSans" pitchFamily="34" charset="-120"/>
-              </a:rPr>
-              <a:t>异步重建：</a:t>
-            </a:r>
-            <a:r>
-              <a:rPr lang="en-US" sz="1400" dirty="0">
-                <a:solidFill>
-                  <a:srgbClr val="95B8C0"/>
-                </a:solidFill>
-                <a:latin typeface="MiSans" pitchFamily="34" charset="-122"/>
-                <a:ea typeface="MiSans" pitchFamily="34" charset="-122"/>
-                <a:cs typeface="MiSans" pitchFamily="34" charset="-120"/>
-              </a:rPr>
-              <a:t>后台线程异步重建缓存</a:t>
-            </a:r>
-            <a:endParaRPr lang="en-US" sz="2000" dirty="0"/>
-          </a:p>
-        </p:txBody>
-      </p:sp>
-      <p:sp>
-        <p:nvSpPr>
           <p:cNvPr id="45" name="Text 42"/>
           <p:cNvSpPr/>
           <p:nvPr/>
         </p:nvSpPr>
         <p:spPr>
           <a:xfrm>
-            <a:off x="6525432" y="5457313"/>
+            <a:off x="6455466" y="5203808"/>
             <a:ext cx="5090204" cy="209905"/>
           </a:xfrm>
           <a:prstGeom prst="rect">
@@ -9498,6 +9786,36 @@
           </a:p>
         </p:txBody>
       </p:sp>
+      <p:pic>
+        <p:nvPicPr>
+          <p:cNvPr id="2" name="图片 1">
+            <a:extLst>
+              <a:ext uri="{FF2B5EF4-FFF2-40B4-BE49-F238E27FC236}">
+                <a16:creationId xmlns:a16="http://schemas.microsoft.com/office/drawing/2014/main" id="{7F4F11DE-96F8-FD10-5F5A-8388E27FC6E7}"/>
+              </a:ext>
+            </a:extLst>
+          </p:cNvPr>
+          <p:cNvPicPr>
+            <a:picLocks noChangeAspect="1"/>
+          </p:cNvPicPr>
+          <p:nvPr/>
+        </p:nvPicPr>
+        <p:blipFill>
+          <a:blip r:embed="rId3"/>
+          <a:stretch>
+            <a:fillRect/>
+          </a:stretch>
+        </p:blipFill>
+        <p:spPr>
+          <a:xfrm>
+            <a:off x="6116866" y="869429"/>
+            <a:ext cx="5907335" cy="2767052"/>
+          </a:xfrm>
+          <a:prstGeom prst="rect">
+            <a:avLst/>
+          </a:prstGeom>
+        </p:spPr>
+      </p:pic>
     </p:spTree>
   </p:cSld>
   <p:clrMapOvr>
@@ -13117,7 +13435,7 @@
           <p:nvPr/>
         </p:nvPicPr>
         <p:blipFill>
-          <a:blip r:embed="rId1"/>
+          <a:blip r:embed="rId3"/>
           <a:srcRect b="2016"/>
           <a:stretch>
             <a:fillRect/>
@@ -13142,7 +13460,7 @@
           <p:nvPr/>
         </p:nvPicPr>
         <p:blipFill>
-          <a:blip r:embed="rId2">
+          <a:blip r:embed="rId4">
             <a:alphaModFix amt="30000"/>
           </a:blip>
           <a:srcRect t="12500" b="12500"/>
@@ -15142,11 +15460,6 @@
               </a:rPr>
               <a:t>感谢老师们和同学们的聆听，谢谢大家</a:t>
             </a:r>
-            <a:endParaRPr lang="zh-CN" altLang="en-US" sz="3600" dirty="0">
-              <a:solidFill>
-                <a:schemeClr val="bg1"/>
-              </a:solidFill>
-            </a:endParaRPr>
           </a:p>
         </p:txBody>
       </p:sp>
@@ -17280,7 +17593,7 @@
                 <a:ea typeface="MiSans" pitchFamily="34" charset="-122"/>
                 <a:cs typeface="MiSans" pitchFamily="34" charset="-120"/>
               </a:rPr>
-              <a:t>对于异步消息的处理。参与设计数据库表，以及整理需求，对接编码接口。</a:t>
+              <a:t>对于异步消息的处理，负责网关配置和服务实现。参与设计数据库表，以及整理需求，对接编码接口。</a:t>
             </a:r>
             <a:endParaRPr lang="en-US" dirty="0"/>
           </a:p>
@@ -29127,7 +29440,7 @@
         </p:nvSpPr>
         <p:spPr>
           <a:xfrm>
-            <a:off x="6507353" y="1159986"/>
+            <a:off x="6507353" y="1552540"/>
             <a:ext cx="165878" cy="165878"/>
           </a:xfrm>
           <a:custGeom>
@@ -29362,7 +29675,7 @@
         </p:nvSpPr>
         <p:spPr>
           <a:xfrm>
-            <a:off x="6362670" y="1860358"/>
+            <a:off x="6399565" y="2237268"/>
             <a:ext cx="22117" cy="737234"/>
           </a:xfrm>
           <a:custGeom>
@@ -29415,7 +29728,7 @@
         </p:nvSpPr>
         <p:spPr>
           <a:xfrm>
-            <a:off x="6507353" y="2007805"/>
+            <a:off x="6530840" y="2413284"/>
             <a:ext cx="165878" cy="165878"/>
           </a:xfrm>
           <a:custGeom>
@@ -29650,7 +29963,7 @@
         </p:nvSpPr>
         <p:spPr>
           <a:xfrm>
-            <a:off x="6362670" y="2708177"/>
+            <a:off x="6410624" y="3096264"/>
             <a:ext cx="22117" cy="737234"/>
           </a:xfrm>
           <a:custGeom>
@@ -29703,7 +30016,7 @@
         </p:nvSpPr>
         <p:spPr>
           <a:xfrm>
-            <a:off x="6507353" y="2855624"/>
+            <a:off x="6530840" y="3249173"/>
             <a:ext cx="165878" cy="165878"/>
           </a:xfrm>
           <a:custGeom>
@@ -32566,289 +32879,289 @@
 </file>
 
 <file path=ppt/tags/tag1.xml><?xml version="1.0" encoding="utf-8"?>
-<p:tagLst xmlns:p="http://schemas.openxmlformats.org/presentationml/2006/main">
+<p:tagLst xmlns:a="http://schemas.openxmlformats.org/drawingml/2006/main" xmlns:r="http://schemas.openxmlformats.org/officeDocument/2006/relationships" xmlns:p="http://schemas.openxmlformats.org/presentationml/2006/main">
   <p:tag name="KSO_WM_DIAGRAM_VIRTUALLY_FRAME" val="{&quot;height&quot;:51.84543307086615,&quot;left&quot;:47.28102362204724,&quot;top&quot;:311.9906299212598,&quot;width&quot;:855.8904724409449}"/>
 </p:tagLst>
 </file>
 
 <file path=ppt/tags/tag10.xml><?xml version="1.0" encoding="utf-8"?>
-<p:tagLst xmlns:p="http://schemas.openxmlformats.org/presentationml/2006/main">
+<p:tagLst xmlns:a="http://schemas.openxmlformats.org/drawingml/2006/main" xmlns:r="http://schemas.openxmlformats.org/officeDocument/2006/relationships" xmlns:p="http://schemas.openxmlformats.org/presentationml/2006/main">
   <p:tag name="KSO_WM_DIAGRAM_VIRTUALLY_FRAME" val="{&quot;height&quot;:51.84543307086615,&quot;left&quot;:47.28102362204724,&quot;top&quot;:311.9906299212598,&quot;width&quot;:855.8904724409449}"/>
 </p:tagLst>
 </file>
 
 <file path=ppt/tags/tag11.xml><?xml version="1.0" encoding="utf-8"?>
-<p:tagLst xmlns:p="http://schemas.openxmlformats.org/presentationml/2006/main">
+<p:tagLst xmlns:a="http://schemas.openxmlformats.org/drawingml/2006/main" xmlns:r="http://schemas.openxmlformats.org/officeDocument/2006/relationships" xmlns:p="http://schemas.openxmlformats.org/presentationml/2006/main">
   <p:tag name="KSO_WM_DIAGRAM_VIRTUALLY_FRAME" val="{&quot;height&quot;:51.84543307086615,&quot;left&quot;:47.28102362204724,&quot;top&quot;:311.9906299212598,&quot;width&quot;:855.8904724409449}"/>
 </p:tagLst>
 </file>
 
 <file path=ppt/tags/tag12.xml><?xml version="1.0" encoding="utf-8"?>
-<p:tagLst xmlns:p="http://schemas.openxmlformats.org/presentationml/2006/main">
+<p:tagLst xmlns:a="http://schemas.openxmlformats.org/drawingml/2006/main" xmlns:r="http://schemas.openxmlformats.org/officeDocument/2006/relationships" xmlns:p="http://schemas.openxmlformats.org/presentationml/2006/main">
   <p:tag name="KSO_WM_DIAGRAM_VIRTUALLY_FRAME" val="{&quot;height&quot;:51.84543307086615,&quot;left&quot;:47.28102362204724,&quot;top&quot;:311.9906299212598,&quot;width&quot;:855.8904724409449}"/>
 </p:tagLst>
 </file>
 
 <file path=ppt/tags/tag13.xml><?xml version="1.0" encoding="utf-8"?>
-<p:tagLst xmlns:p="http://schemas.openxmlformats.org/presentationml/2006/main">
+<p:tagLst xmlns:a="http://schemas.openxmlformats.org/drawingml/2006/main" xmlns:r="http://schemas.openxmlformats.org/officeDocument/2006/relationships" xmlns:p="http://schemas.openxmlformats.org/presentationml/2006/main">
   <p:tag name="KSO_WM_DIAGRAM_VIRTUALLY_FRAME" val="{&quot;height&quot;:51.84543307086615,&quot;left&quot;:47.28102362204724,&quot;top&quot;:311.9906299212598,&quot;width&quot;:855.8904724409449}"/>
 </p:tagLst>
 </file>
 
 <file path=ppt/tags/tag14.xml><?xml version="1.0" encoding="utf-8"?>
-<p:tagLst xmlns:p="http://schemas.openxmlformats.org/presentationml/2006/main">
+<p:tagLst xmlns:a="http://schemas.openxmlformats.org/drawingml/2006/main" xmlns:r="http://schemas.openxmlformats.org/officeDocument/2006/relationships" xmlns:p="http://schemas.openxmlformats.org/presentationml/2006/main">
   <p:tag name="KSO_WM_DIAGRAM_VIRTUALLY_FRAME" val="{&quot;height&quot;:51.84543307086615,&quot;left&quot;:47.28102362204724,&quot;top&quot;:311.9906299212598,&quot;width&quot;:855.8904724409449}"/>
 </p:tagLst>
 </file>
 
 <file path=ppt/tags/tag15.xml><?xml version="1.0" encoding="utf-8"?>
-<p:tagLst xmlns:p="http://schemas.openxmlformats.org/presentationml/2006/main">
+<p:tagLst xmlns:a="http://schemas.openxmlformats.org/drawingml/2006/main" xmlns:r="http://schemas.openxmlformats.org/officeDocument/2006/relationships" xmlns:p="http://schemas.openxmlformats.org/presentationml/2006/main">
   <p:tag name="KSO_WM_DIAGRAM_VIRTUALLY_FRAME" val="{&quot;height&quot;:51.84543307086615,&quot;left&quot;:47.28102362204724,&quot;top&quot;:311.9906299212598,&quot;width&quot;:855.8904724409449}"/>
 </p:tagLst>
 </file>
 
 <file path=ppt/tags/tag16.xml><?xml version="1.0" encoding="utf-8"?>
-<p:tagLst xmlns:p="http://schemas.openxmlformats.org/presentationml/2006/main">
+<p:tagLst xmlns:a="http://schemas.openxmlformats.org/drawingml/2006/main" xmlns:r="http://schemas.openxmlformats.org/officeDocument/2006/relationships" xmlns:p="http://schemas.openxmlformats.org/presentationml/2006/main">
   <p:tag name="KSO_WM_DIAGRAM_VIRTUALLY_FRAME" val="{&quot;height&quot;:51.84543307086615,&quot;left&quot;:47.28102362204724,&quot;top&quot;:311.9906299212598,&quot;width&quot;:855.8904724409449}"/>
 </p:tagLst>
 </file>
 
 <file path=ppt/tags/tag17.xml><?xml version="1.0" encoding="utf-8"?>
-<p:tagLst xmlns:p="http://schemas.openxmlformats.org/presentationml/2006/main">
+<p:tagLst xmlns:a="http://schemas.openxmlformats.org/drawingml/2006/main" xmlns:r="http://schemas.openxmlformats.org/officeDocument/2006/relationships" xmlns:p="http://schemas.openxmlformats.org/presentationml/2006/main">
   <p:tag name="KSO_WM_DIAGRAM_VIRTUALLY_FRAME" val="{&quot;height&quot;:51.84543307086615,&quot;left&quot;:47.28102362204724,&quot;top&quot;:311.9906299212598,&quot;width&quot;:855.8904724409449}"/>
 </p:tagLst>
 </file>
 
 <file path=ppt/tags/tag18.xml><?xml version="1.0" encoding="utf-8"?>
-<p:tagLst xmlns:p="http://schemas.openxmlformats.org/presentationml/2006/main">
+<p:tagLst xmlns:a="http://schemas.openxmlformats.org/drawingml/2006/main" xmlns:r="http://schemas.openxmlformats.org/officeDocument/2006/relationships" xmlns:p="http://schemas.openxmlformats.org/presentationml/2006/main">
   <p:tag name="KSO_WM_DIAGRAM_VIRTUALLY_FRAME" val="{&quot;height&quot;:51.84543307086615,&quot;left&quot;:47.28102362204724,&quot;top&quot;:311.9906299212598,&quot;width&quot;:855.8904724409449}"/>
 </p:tagLst>
 </file>
 
 <file path=ppt/tags/tag19.xml><?xml version="1.0" encoding="utf-8"?>
-<p:tagLst xmlns:p="http://schemas.openxmlformats.org/presentationml/2006/main">
+<p:tagLst xmlns:a="http://schemas.openxmlformats.org/drawingml/2006/main" xmlns:r="http://schemas.openxmlformats.org/officeDocument/2006/relationships" xmlns:p="http://schemas.openxmlformats.org/presentationml/2006/main">
   <p:tag name="KSO_WM_DIAGRAM_VIRTUALLY_FRAME" val="{&quot;height&quot;:51.84543307086615,&quot;left&quot;:47.28102362204724,&quot;top&quot;:311.9906299212598,&quot;width&quot;:855.8904724409449}"/>
 </p:tagLst>
 </file>
 
 <file path=ppt/tags/tag2.xml><?xml version="1.0" encoding="utf-8"?>
-<p:tagLst xmlns:p="http://schemas.openxmlformats.org/presentationml/2006/main">
+<p:tagLst xmlns:a="http://schemas.openxmlformats.org/drawingml/2006/main" xmlns:r="http://schemas.openxmlformats.org/officeDocument/2006/relationships" xmlns:p="http://schemas.openxmlformats.org/presentationml/2006/main">
   <p:tag name="KSO_WM_DIAGRAM_VIRTUALLY_FRAME" val="{&quot;height&quot;:51.84543307086615,&quot;left&quot;:47.28102362204724,&quot;top&quot;:311.9906299212598,&quot;width&quot;:855.8904724409449}"/>
 </p:tagLst>
 </file>
 
 <file path=ppt/tags/tag20.xml><?xml version="1.0" encoding="utf-8"?>
-<p:tagLst xmlns:p="http://schemas.openxmlformats.org/presentationml/2006/main">
+<p:tagLst xmlns:a="http://schemas.openxmlformats.org/drawingml/2006/main" xmlns:r="http://schemas.openxmlformats.org/officeDocument/2006/relationships" xmlns:p="http://schemas.openxmlformats.org/presentationml/2006/main">
   <p:tag name="KSO_WM_DIAGRAM_VIRTUALLY_FRAME" val="{&quot;height&quot;:51.84543307086615,&quot;left&quot;:47.28102362204724,&quot;top&quot;:311.9906299212598,&quot;width&quot;:855.8904724409449}"/>
 </p:tagLst>
 </file>
 
 <file path=ppt/tags/tag21.xml><?xml version="1.0" encoding="utf-8"?>
-<p:tagLst xmlns:p="http://schemas.openxmlformats.org/presentationml/2006/main">
+<p:tagLst xmlns:a="http://schemas.openxmlformats.org/drawingml/2006/main" xmlns:r="http://schemas.openxmlformats.org/officeDocument/2006/relationships" xmlns:p="http://schemas.openxmlformats.org/presentationml/2006/main">
   <p:tag name="KSO_WM_DIAGRAM_VIRTUALLY_FRAME" val="{&quot;height&quot;:51.84543307086615,&quot;left&quot;:47.28102362204724,&quot;top&quot;:311.9906299212598,&quot;width&quot;:855.8904724409449}"/>
 </p:tagLst>
 </file>
 
 <file path=ppt/tags/tag22.xml><?xml version="1.0" encoding="utf-8"?>
-<p:tagLst xmlns:p="http://schemas.openxmlformats.org/presentationml/2006/main">
+<p:tagLst xmlns:a="http://schemas.openxmlformats.org/drawingml/2006/main" xmlns:r="http://schemas.openxmlformats.org/officeDocument/2006/relationships" xmlns:p="http://schemas.openxmlformats.org/presentationml/2006/main">
   <p:tag name="KSO_WM_DIAGRAM_VIRTUALLY_FRAME" val="{&quot;height&quot;:51.84543307086615,&quot;left&quot;:47.28102362204724,&quot;top&quot;:311.9906299212598,&quot;width&quot;:855.8904724409449}"/>
 </p:tagLst>
 </file>
 
 <file path=ppt/tags/tag23.xml><?xml version="1.0" encoding="utf-8"?>
-<p:tagLst xmlns:p="http://schemas.openxmlformats.org/presentationml/2006/main">
+<p:tagLst xmlns:a="http://schemas.openxmlformats.org/drawingml/2006/main" xmlns:r="http://schemas.openxmlformats.org/officeDocument/2006/relationships" xmlns:p="http://schemas.openxmlformats.org/presentationml/2006/main">
   <p:tag name="KSO_WM_DIAGRAM_VIRTUALLY_FRAME" val="{&quot;height&quot;:51.84543307086615,&quot;left&quot;:47.28102362204724,&quot;top&quot;:311.9906299212598,&quot;width&quot;:855.8904724409449}"/>
 </p:tagLst>
 </file>
 
 <file path=ppt/tags/tag24.xml><?xml version="1.0" encoding="utf-8"?>
-<p:tagLst xmlns:p="http://schemas.openxmlformats.org/presentationml/2006/main">
+<p:tagLst xmlns:a="http://schemas.openxmlformats.org/drawingml/2006/main" xmlns:r="http://schemas.openxmlformats.org/officeDocument/2006/relationships" xmlns:p="http://schemas.openxmlformats.org/presentationml/2006/main">
   <p:tag name="KSO_WM_DIAGRAM_VIRTUALLY_FRAME" val="{&quot;height&quot;:51.84543307086615,&quot;left&quot;:47.28102362204724,&quot;top&quot;:311.9906299212598,&quot;width&quot;:855.8904724409449}"/>
 </p:tagLst>
 </file>
 
 <file path=ppt/tags/tag25.xml><?xml version="1.0" encoding="utf-8"?>
-<p:tagLst xmlns:p="http://schemas.openxmlformats.org/presentationml/2006/main">
+<p:tagLst xmlns:a="http://schemas.openxmlformats.org/drawingml/2006/main" xmlns:r="http://schemas.openxmlformats.org/officeDocument/2006/relationships" xmlns:p="http://schemas.openxmlformats.org/presentationml/2006/main">
   <p:tag name="KSO_WM_DIAGRAM_VIRTUALLY_FRAME" val="{&quot;height&quot;:51.84543307086615,&quot;left&quot;:47.28102362204724,&quot;top&quot;:311.9906299212598,&quot;width&quot;:855.8904724409449}"/>
 </p:tagLst>
 </file>
 
 <file path=ppt/tags/tag26.xml><?xml version="1.0" encoding="utf-8"?>
-<p:tagLst xmlns:p="http://schemas.openxmlformats.org/presentationml/2006/main">
+<p:tagLst xmlns:a="http://schemas.openxmlformats.org/drawingml/2006/main" xmlns:r="http://schemas.openxmlformats.org/officeDocument/2006/relationships" xmlns:p="http://schemas.openxmlformats.org/presentationml/2006/main">
   <p:tag name="KSO_WM_DIAGRAM_VIRTUALLY_FRAME" val="{&quot;height&quot;:51.84543307086615,&quot;left&quot;:47.28102362204724,&quot;top&quot;:311.9906299212598,&quot;width&quot;:855.8904724409449}"/>
 </p:tagLst>
 </file>
 
 <file path=ppt/tags/tag27.xml><?xml version="1.0" encoding="utf-8"?>
-<p:tagLst xmlns:p="http://schemas.openxmlformats.org/presentationml/2006/main">
+<p:tagLst xmlns:a="http://schemas.openxmlformats.org/drawingml/2006/main" xmlns:r="http://schemas.openxmlformats.org/officeDocument/2006/relationships" xmlns:p="http://schemas.openxmlformats.org/presentationml/2006/main">
   <p:tag name="KSO_WM_DIAGRAM_VIRTUALLY_FRAME" val="{&quot;height&quot;:51.84543307086615,&quot;left&quot;:47.28102362204724,&quot;top&quot;:311.9906299212598,&quot;width&quot;:855.8904724409449}"/>
 </p:tagLst>
 </file>
 
 <file path=ppt/tags/tag28.xml><?xml version="1.0" encoding="utf-8"?>
-<p:tagLst xmlns:p="http://schemas.openxmlformats.org/presentationml/2006/main">
+<p:tagLst xmlns:a="http://schemas.openxmlformats.org/drawingml/2006/main" xmlns:r="http://schemas.openxmlformats.org/officeDocument/2006/relationships" xmlns:p="http://schemas.openxmlformats.org/presentationml/2006/main">
   <p:tag name="KSO_WM_DIAGRAM_VIRTUALLY_FRAME" val="{&quot;height&quot;:51.84543307086615,&quot;left&quot;:47.28102362204724,&quot;top&quot;:311.9906299212598,&quot;width&quot;:855.8904724409449}"/>
 </p:tagLst>
 </file>
 
 <file path=ppt/tags/tag29.xml><?xml version="1.0" encoding="utf-8"?>
-<p:tagLst xmlns:p="http://schemas.openxmlformats.org/presentationml/2006/main">
+<p:tagLst xmlns:a="http://schemas.openxmlformats.org/drawingml/2006/main" xmlns:r="http://schemas.openxmlformats.org/officeDocument/2006/relationships" xmlns:p="http://schemas.openxmlformats.org/presentationml/2006/main">
   <p:tag name="KSO_WM_DIAGRAM_VIRTUALLY_FRAME" val="{&quot;height&quot;:51.84543307086615,&quot;left&quot;:47.28102362204724,&quot;top&quot;:311.9906299212598,&quot;width&quot;:855.8904724409449}"/>
 </p:tagLst>
 </file>
 
 <file path=ppt/tags/tag3.xml><?xml version="1.0" encoding="utf-8"?>
-<p:tagLst xmlns:p="http://schemas.openxmlformats.org/presentationml/2006/main">
+<p:tagLst xmlns:a="http://schemas.openxmlformats.org/drawingml/2006/main" xmlns:r="http://schemas.openxmlformats.org/officeDocument/2006/relationships" xmlns:p="http://schemas.openxmlformats.org/presentationml/2006/main">
   <p:tag name="KSO_WM_DIAGRAM_VIRTUALLY_FRAME" val="{&quot;height&quot;:51.84543307086615,&quot;left&quot;:47.28102362204724,&quot;top&quot;:311.9906299212598,&quot;width&quot;:855.8904724409449}"/>
 </p:tagLst>
 </file>
 
 <file path=ppt/tags/tag30.xml><?xml version="1.0" encoding="utf-8"?>
-<p:tagLst xmlns:p="http://schemas.openxmlformats.org/presentationml/2006/main">
+<p:tagLst xmlns:a="http://schemas.openxmlformats.org/drawingml/2006/main" xmlns:r="http://schemas.openxmlformats.org/officeDocument/2006/relationships" xmlns:p="http://schemas.openxmlformats.org/presentationml/2006/main">
   <p:tag name="KSO_WM_DIAGRAM_VIRTUALLY_FRAME" val="{&quot;height&quot;:51.84543307086615,&quot;left&quot;:47.28102362204724,&quot;top&quot;:311.9906299212598,&quot;width&quot;:855.8904724409449}"/>
 </p:tagLst>
 </file>
 
 <file path=ppt/tags/tag31.xml><?xml version="1.0" encoding="utf-8"?>
-<p:tagLst xmlns:p="http://schemas.openxmlformats.org/presentationml/2006/main">
+<p:tagLst xmlns:a="http://schemas.openxmlformats.org/drawingml/2006/main" xmlns:r="http://schemas.openxmlformats.org/officeDocument/2006/relationships" xmlns:p="http://schemas.openxmlformats.org/presentationml/2006/main">
   <p:tag name="KSO_WM_DIAGRAM_VIRTUALLY_FRAME" val="{&quot;height&quot;:51.84543307086615,&quot;left&quot;:47.28102362204724,&quot;top&quot;:311.9906299212598,&quot;width&quot;:855.8904724409449}"/>
 </p:tagLst>
 </file>
 
 <file path=ppt/tags/tag32.xml><?xml version="1.0" encoding="utf-8"?>
-<p:tagLst xmlns:p="http://schemas.openxmlformats.org/presentationml/2006/main">
+<p:tagLst xmlns:a="http://schemas.openxmlformats.org/drawingml/2006/main" xmlns:r="http://schemas.openxmlformats.org/officeDocument/2006/relationships" xmlns:p="http://schemas.openxmlformats.org/presentationml/2006/main">
   <p:tag name="KSO_WM_DIAGRAM_VIRTUALLY_FRAME" val="{&quot;height&quot;:51.84543307086615,&quot;left&quot;:47.28102362204724,&quot;top&quot;:311.9906299212598,&quot;width&quot;:855.8904724409449}"/>
 </p:tagLst>
 </file>
 
 <file path=ppt/tags/tag33.xml><?xml version="1.0" encoding="utf-8"?>
-<p:tagLst xmlns:p="http://schemas.openxmlformats.org/presentationml/2006/main">
+<p:tagLst xmlns:a="http://schemas.openxmlformats.org/drawingml/2006/main" xmlns:r="http://schemas.openxmlformats.org/officeDocument/2006/relationships" xmlns:p="http://schemas.openxmlformats.org/presentationml/2006/main">
   <p:tag name="KSO_WM_DIAGRAM_VIRTUALLY_FRAME" val="{&quot;height&quot;:51.84543307086615,&quot;left&quot;:47.28102362204724,&quot;top&quot;:311.9906299212598,&quot;width&quot;:855.8904724409449}"/>
 </p:tagLst>
 </file>
 
 <file path=ppt/tags/tag34.xml><?xml version="1.0" encoding="utf-8"?>
-<p:tagLst xmlns:p="http://schemas.openxmlformats.org/presentationml/2006/main">
+<p:tagLst xmlns:a="http://schemas.openxmlformats.org/drawingml/2006/main" xmlns:r="http://schemas.openxmlformats.org/officeDocument/2006/relationships" xmlns:p="http://schemas.openxmlformats.org/presentationml/2006/main">
   <p:tag name="KSO_WM_DIAGRAM_VIRTUALLY_FRAME" val="{&quot;height&quot;:51.84543307086615,&quot;left&quot;:47.28102362204724,&quot;top&quot;:311.9906299212598,&quot;width&quot;:855.8904724409449}"/>
 </p:tagLst>
 </file>
 
 <file path=ppt/tags/tag35.xml><?xml version="1.0" encoding="utf-8"?>
-<p:tagLst xmlns:p="http://schemas.openxmlformats.org/presentationml/2006/main">
+<p:tagLst xmlns:a="http://schemas.openxmlformats.org/drawingml/2006/main" xmlns:r="http://schemas.openxmlformats.org/officeDocument/2006/relationships" xmlns:p="http://schemas.openxmlformats.org/presentationml/2006/main">
   <p:tag name="KSO_WM_DIAGRAM_VIRTUALLY_FRAME" val="{&quot;height&quot;:51.84543307086615,&quot;left&quot;:47.28102362204724,&quot;top&quot;:311.9906299212598,&quot;width&quot;:855.8904724409449}"/>
 </p:tagLst>
 </file>
 
 <file path=ppt/tags/tag36.xml><?xml version="1.0" encoding="utf-8"?>
-<p:tagLst xmlns:p="http://schemas.openxmlformats.org/presentationml/2006/main">
+<p:tagLst xmlns:a="http://schemas.openxmlformats.org/drawingml/2006/main" xmlns:r="http://schemas.openxmlformats.org/officeDocument/2006/relationships" xmlns:p="http://schemas.openxmlformats.org/presentationml/2006/main">
   <p:tag name="KSO_WM_DIAGRAM_VIRTUALLY_FRAME" val="{&quot;height&quot;:51.84543307086615,&quot;left&quot;:47.28102362204724,&quot;top&quot;:311.9906299212598,&quot;width&quot;:855.8904724409449}"/>
 </p:tagLst>
 </file>
 
 <file path=ppt/tags/tag37.xml><?xml version="1.0" encoding="utf-8"?>
-<p:tagLst xmlns:p="http://schemas.openxmlformats.org/presentationml/2006/main">
+<p:tagLst xmlns:a="http://schemas.openxmlformats.org/drawingml/2006/main" xmlns:r="http://schemas.openxmlformats.org/officeDocument/2006/relationships" xmlns:p="http://schemas.openxmlformats.org/presentationml/2006/main">
   <p:tag name="KSO_WM_DIAGRAM_VIRTUALLY_FRAME" val="{&quot;height&quot;:51.84543307086615,&quot;left&quot;:47.28102362204724,&quot;top&quot;:311.9906299212598,&quot;width&quot;:855.8904724409449}"/>
 </p:tagLst>
 </file>
 
 <file path=ppt/tags/tag38.xml><?xml version="1.0" encoding="utf-8"?>
-<p:tagLst xmlns:p="http://schemas.openxmlformats.org/presentationml/2006/main">
+<p:tagLst xmlns:a="http://schemas.openxmlformats.org/drawingml/2006/main" xmlns:r="http://schemas.openxmlformats.org/officeDocument/2006/relationships" xmlns:p="http://schemas.openxmlformats.org/presentationml/2006/main">
   <p:tag name="KSO_WM_DIAGRAM_VIRTUALLY_FRAME" val="{&quot;height&quot;:51.84543307086615,&quot;left&quot;:47.28102362204724,&quot;top&quot;:311.9906299212598,&quot;width&quot;:855.8904724409449}"/>
 </p:tagLst>
 </file>
 
 <file path=ppt/tags/tag39.xml><?xml version="1.0" encoding="utf-8"?>
-<p:tagLst xmlns:p="http://schemas.openxmlformats.org/presentationml/2006/main">
+<p:tagLst xmlns:a="http://schemas.openxmlformats.org/drawingml/2006/main" xmlns:r="http://schemas.openxmlformats.org/officeDocument/2006/relationships" xmlns:p="http://schemas.openxmlformats.org/presentationml/2006/main">
   <p:tag name="KSO_WM_DIAGRAM_VIRTUALLY_FRAME" val="{&quot;height&quot;:51.84543307086615,&quot;left&quot;:47.28102362204724,&quot;top&quot;:311.9906299212598,&quot;width&quot;:855.8904724409449}"/>
 </p:tagLst>
 </file>
 
 <file path=ppt/tags/tag4.xml><?xml version="1.0" encoding="utf-8"?>
-<p:tagLst xmlns:p="http://schemas.openxmlformats.org/presentationml/2006/main">
+<p:tagLst xmlns:a="http://schemas.openxmlformats.org/drawingml/2006/main" xmlns:r="http://schemas.openxmlformats.org/officeDocument/2006/relationships" xmlns:p="http://schemas.openxmlformats.org/presentationml/2006/main">
   <p:tag name="KSO_WM_DIAGRAM_VIRTUALLY_FRAME" val="{&quot;height&quot;:51.84543307086615,&quot;left&quot;:47.28102362204724,&quot;top&quot;:311.9906299212598,&quot;width&quot;:855.8904724409449}"/>
 </p:tagLst>
 </file>
 
 <file path=ppt/tags/tag40.xml><?xml version="1.0" encoding="utf-8"?>
-<p:tagLst xmlns:p="http://schemas.openxmlformats.org/presentationml/2006/main">
+<p:tagLst xmlns:a="http://schemas.openxmlformats.org/drawingml/2006/main" xmlns:r="http://schemas.openxmlformats.org/officeDocument/2006/relationships" xmlns:p="http://schemas.openxmlformats.org/presentationml/2006/main">
   <p:tag name="KSO_WM_DIAGRAM_VIRTUALLY_FRAME" val="{&quot;height&quot;:51.84543307086615,&quot;left&quot;:47.28102362204724,&quot;top&quot;:311.9906299212598,&quot;width&quot;:855.8904724409449}"/>
 </p:tagLst>
 </file>
 
 <file path=ppt/tags/tag41.xml><?xml version="1.0" encoding="utf-8"?>
-<p:tagLst xmlns:p="http://schemas.openxmlformats.org/presentationml/2006/main">
+<p:tagLst xmlns:a="http://schemas.openxmlformats.org/drawingml/2006/main" xmlns:r="http://schemas.openxmlformats.org/officeDocument/2006/relationships" xmlns:p="http://schemas.openxmlformats.org/presentationml/2006/main">
   <p:tag name="KSO_WM_DIAGRAM_VIRTUALLY_FRAME" val="{&quot;height&quot;:51.84543307086615,&quot;left&quot;:47.28102362204724,&quot;top&quot;:311.9906299212598,&quot;width&quot;:855.8904724409449}"/>
 </p:tagLst>
 </file>
 
 <file path=ppt/tags/tag42.xml><?xml version="1.0" encoding="utf-8"?>
-<p:tagLst xmlns:p="http://schemas.openxmlformats.org/presentationml/2006/main">
+<p:tagLst xmlns:a="http://schemas.openxmlformats.org/drawingml/2006/main" xmlns:r="http://schemas.openxmlformats.org/officeDocument/2006/relationships" xmlns:p="http://schemas.openxmlformats.org/presentationml/2006/main">
   <p:tag name="KSO_WM_DIAGRAM_VIRTUALLY_FRAME" val="{&quot;height&quot;:51.84543307086615,&quot;left&quot;:47.28102362204724,&quot;top&quot;:311.9906299212598,&quot;width&quot;:855.8904724409449}"/>
 </p:tagLst>
 </file>
 
 <file path=ppt/tags/tag43.xml><?xml version="1.0" encoding="utf-8"?>
-<p:tagLst xmlns:p="http://schemas.openxmlformats.org/presentationml/2006/main">
+<p:tagLst xmlns:a="http://schemas.openxmlformats.org/drawingml/2006/main" xmlns:r="http://schemas.openxmlformats.org/officeDocument/2006/relationships" xmlns:p="http://schemas.openxmlformats.org/presentationml/2006/main">
   <p:tag name="KSO_WM_DIAGRAM_VIRTUALLY_FRAME" val="{&quot;height&quot;:51.84543307086615,&quot;left&quot;:47.28102362204724,&quot;top&quot;:311.9906299212598,&quot;width&quot;:855.8904724409449}"/>
 </p:tagLst>
 </file>
 
 <file path=ppt/tags/tag44.xml><?xml version="1.0" encoding="utf-8"?>
-<p:tagLst xmlns:p="http://schemas.openxmlformats.org/presentationml/2006/main">
+<p:tagLst xmlns:a="http://schemas.openxmlformats.org/drawingml/2006/main" xmlns:r="http://schemas.openxmlformats.org/officeDocument/2006/relationships" xmlns:p="http://schemas.openxmlformats.org/presentationml/2006/main">
   <p:tag name="KSO_WM_DIAGRAM_VIRTUALLY_FRAME" val="{&quot;height&quot;:51.84543307086615,&quot;left&quot;:47.28102362204724,&quot;top&quot;:311.9906299212598,&quot;width&quot;:855.8904724409449}"/>
 </p:tagLst>
 </file>
 
 <file path=ppt/tags/tag45.xml><?xml version="1.0" encoding="utf-8"?>
-<p:tagLst xmlns:p="http://schemas.openxmlformats.org/presentationml/2006/main">
+<p:tagLst xmlns:a="http://schemas.openxmlformats.org/drawingml/2006/main" xmlns:r="http://schemas.openxmlformats.org/officeDocument/2006/relationships" xmlns:p="http://schemas.openxmlformats.org/presentationml/2006/main">
   <p:tag name="KSO_WM_DIAGRAM_VIRTUALLY_FRAME" val="{&quot;height&quot;:51.84543307086615,&quot;left&quot;:47.28102362204724,&quot;top&quot;:311.9906299212598,&quot;width&quot;:855.8904724409449}"/>
 </p:tagLst>
 </file>
 
 <file path=ppt/tags/tag46.xml><?xml version="1.0" encoding="utf-8"?>
-<p:tagLst xmlns:p="http://schemas.openxmlformats.org/presentationml/2006/main">
+<p:tagLst xmlns:a="http://schemas.openxmlformats.org/drawingml/2006/main" xmlns:r="http://schemas.openxmlformats.org/officeDocument/2006/relationships" xmlns:p="http://schemas.openxmlformats.org/presentationml/2006/main">
   <p:tag name="KSO_WM_DIAGRAM_VIRTUALLY_FRAME" val="{&quot;height&quot;:51.84543307086615,&quot;left&quot;:47.28102362204724,&quot;top&quot;:311.9906299212598,&quot;width&quot;:855.8904724409449}"/>
 </p:tagLst>
 </file>
 
 <file path=ppt/tags/tag47.xml><?xml version="1.0" encoding="utf-8"?>
-<p:tagLst xmlns:p="http://schemas.openxmlformats.org/presentationml/2006/main">
+<p:tagLst xmlns:a="http://schemas.openxmlformats.org/drawingml/2006/main" xmlns:r="http://schemas.openxmlformats.org/officeDocument/2006/relationships" xmlns:p="http://schemas.openxmlformats.org/presentationml/2006/main">
   <p:tag name="KSO_WM_DIAGRAM_VIRTUALLY_FRAME" val="{&quot;height&quot;:51.84543307086615,&quot;left&quot;:47.28102362204724,&quot;top&quot;:311.9906299212598,&quot;width&quot;:855.8904724409449}"/>
 </p:tagLst>
 </file>
 
 <file path=ppt/tags/tag48.xml><?xml version="1.0" encoding="utf-8"?>
-<p:tagLst xmlns:p="http://schemas.openxmlformats.org/presentationml/2006/main">
+<p:tagLst xmlns:a="http://schemas.openxmlformats.org/drawingml/2006/main" xmlns:r="http://schemas.openxmlformats.org/officeDocument/2006/relationships" xmlns:p="http://schemas.openxmlformats.org/presentationml/2006/main">
   <p:tag name="KSO_WM_DIAGRAM_VIRTUALLY_FRAME" val="{&quot;height&quot;:51.84543307086615,&quot;left&quot;:47.28102362204724,&quot;top&quot;:311.9906299212598,&quot;width&quot;:855.8904724409449}"/>
 </p:tagLst>
 </file>
 
 <file path=ppt/tags/tag5.xml><?xml version="1.0" encoding="utf-8"?>
-<p:tagLst xmlns:p="http://schemas.openxmlformats.org/presentationml/2006/main">
+<p:tagLst xmlns:a="http://schemas.openxmlformats.org/drawingml/2006/main" xmlns:r="http://schemas.openxmlformats.org/officeDocument/2006/relationships" xmlns:p="http://schemas.openxmlformats.org/presentationml/2006/main">
   <p:tag name="KSO_WM_DIAGRAM_VIRTUALLY_FRAME" val="{&quot;height&quot;:51.84543307086615,&quot;left&quot;:47.28102362204724,&quot;top&quot;:311.9906299212598,&quot;width&quot;:855.8904724409449}"/>
 </p:tagLst>
 </file>
 
 <file path=ppt/tags/tag6.xml><?xml version="1.0" encoding="utf-8"?>
-<p:tagLst xmlns:p="http://schemas.openxmlformats.org/presentationml/2006/main">
+<p:tagLst xmlns:a="http://schemas.openxmlformats.org/drawingml/2006/main" xmlns:r="http://schemas.openxmlformats.org/officeDocument/2006/relationships" xmlns:p="http://schemas.openxmlformats.org/presentationml/2006/main">
   <p:tag name="KSO_WM_DIAGRAM_VIRTUALLY_FRAME" val="{&quot;height&quot;:51.84543307086615,&quot;left&quot;:47.28102362204724,&quot;top&quot;:311.9906299212598,&quot;width&quot;:855.8904724409449}"/>
 </p:tagLst>
 </file>
 
 <file path=ppt/tags/tag7.xml><?xml version="1.0" encoding="utf-8"?>
-<p:tagLst xmlns:p="http://schemas.openxmlformats.org/presentationml/2006/main">
+<p:tagLst xmlns:a="http://schemas.openxmlformats.org/drawingml/2006/main" xmlns:r="http://schemas.openxmlformats.org/officeDocument/2006/relationships" xmlns:p="http://schemas.openxmlformats.org/presentationml/2006/main">
   <p:tag name="KSO_WM_DIAGRAM_VIRTUALLY_FRAME" val="{&quot;height&quot;:51.84543307086615,&quot;left&quot;:47.28102362204724,&quot;top&quot;:311.9906299212598,&quot;width&quot;:855.8904724409449}"/>
 </p:tagLst>
 </file>
 
 <file path=ppt/tags/tag8.xml><?xml version="1.0" encoding="utf-8"?>
-<p:tagLst xmlns:p="http://schemas.openxmlformats.org/presentationml/2006/main">
+<p:tagLst xmlns:a="http://schemas.openxmlformats.org/drawingml/2006/main" xmlns:r="http://schemas.openxmlformats.org/officeDocument/2006/relationships" xmlns:p="http://schemas.openxmlformats.org/presentationml/2006/main">
   <p:tag name="KSO_WM_DIAGRAM_VIRTUALLY_FRAME" val="{&quot;height&quot;:51.84543307086615,&quot;left&quot;:47.28102362204724,&quot;top&quot;:311.9906299212598,&quot;width&quot;:855.8904724409449}"/>
 </p:tagLst>
 </file>
 
 <file path=ppt/tags/tag9.xml><?xml version="1.0" encoding="utf-8"?>
-<p:tagLst xmlns:p="http://schemas.openxmlformats.org/presentationml/2006/main">
+<p:tagLst xmlns:a="http://schemas.openxmlformats.org/drawingml/2006/main" xmlns:r="http://schemas.openxmlformats.org/officeDocument/2006/relationships" xmlns:p="http://schemas.openxmlformats.org/presentationml/2006/main">
   <p:tag name="KSO_WM_DIAGRAM_VIRTUALLY_FRAME" val="{&quot;height&quot;:51.84543307086615,&quot;left&quot;:47.28102362204724,&quot;top&quot;:311.9906299212598,&quot;width&quot;:855.8904724409449}"/>
 </p:tagLst>
 </file>
@@ -33104,6 +33417,8 @@
       </a:bgFillStyleLst>
     </a:fmtScheme>
   </a:themeElements>
+  <a:objectDefaults/>
+  <a:extraClrSchemeLst/>
   <a:extLst>
     <a:ext uri="{05A4C25C-085E-4340-85A3-A5531E510DB2}">
       <thm15:themeFamily xmlns:thm15="http://schemas.microsoft.com/office/thememl/2012/main" name="Office Theme" id="{62F939B6-93AF-4DB8-9C6B-D6C7DFDC589F}" vid="{4A3C46E8-61CC-4603-A589-7422A47A8E4A}"/>
@@ -33363,6 +33678,8 @@
       </a:bgFillStyleLst>
     </a:fmtScheme>
   </a:themeElements>
+  <a:objectDefaults/>
+  <a:extraClrSchemeLst/>
   <a:extLst>
     <a:ext uri="{05A4C25C-085E-4340-85A3-A5531E510DB2}">
       <thm15:themeFamily xmlns:thm15="http://schemas.microsoft.com/office/thememl/2012/main" name="Office Theme" id="{62F939B6-93AF-4DB8-9C6B-D6C7DFDC589F}" vid="{4A3C46E8-61CC-4603-A589-7422A47A8E4A}"/>
